--- a/resources/Assignment 1 proposal.pptx
+++ b/resources/Assignment 1 proposal.pptx
@@ -7,8 +7,14 @@
   <p:sldIdLst>
     <p:sldId id="256" r:id="rId2"/>
     <p:sldId id="257" r:id="rId3"/>
-    <p:sldId id="259" r:id="rId4"/>
+    <p:sldId id="261" r:id="rId4"/>
     <p:sldId id="258" r:id="rId5"/>
+    <p:sldId id="259" r:id="rId6"/>
+    <p:sldId id="260" r:id="rId7"/>
+    <p:sldId id="262" r:id="rId8"/>
+    <p:sldId id="265" r:id="rId9"/>
+    <p:sldId id="263" r:id="rId10"/>
+    <p:sldId id="264" r:id="rId11"/>
   </p:sldIdLst>
   <p:sldSz cx="12192000" cy="6858000"/>
   <p:notesSz cx="6858000" cy="9144000"/>
@@ -107,6 +113,11 @@
       </a:defRPr>
     </a:lvl9pPr>
   </p:defaultTextStyle>
+  <p:extLst>
+    <p:ext uri="{EFAFB233-063F-42B5-8137-9DF3F51BA10A}">
+      <p15:sldGuideLst xmlns:p15="http://schemas.microsoft.com/office/powerpoint/2012/main"/>
+    </p:ext>
+  </p:extLst>
 </p:presentation>
 </file>
 
@@ -167,7 +178,7 @@
           <a:noFill/>
           <a:extLst>
             <a:ext uri="{909E8E84-426E-40dd-AFC4-6F175D3DCCD1}">
-              <a14:hiddenFill xmlns:a14="http://schemas.microsoft.com/office/drawing/2010/main" xmlns="">
+              <a14:hiddenFill xmlns="" xmlns:a14="http://schemas.microsoft.com/office/drawing/2010/main">
                 <a:solidFill>
                   <a:srgbClr val="FFFFFF"/>
                 </a:solidFill>
@@ -226,7 +237,7 @@
             </a:ln>
             <a:extLst>
               <a:ext uri="{91240B29-F687-4f45-9708-019B960494DF}">
-                <a14:hiddenLine xmlns:a14="http://schemas.microsoft.com/office/drawing/2010/main" xmlns="" w="9525">
+                <a14:hiddenLine xmlns="" xmlns:a14="http://schemas.microsoft.com/office/drawing/2010/main" w="9525">
                   <a:solidFill>
                     <a:srgbClr val="000000"/>
                   </a:solidFill>
@@ -316,7 +327,7 @@
             </a:ln>
             <a:extLst>
               <a:ext uri="{91240B29-F687-4f45-9708-019B960494DF}">
-                <a14:hiddenLine xmlns:a14="http://schemas.microsoft.com/office/drawing/2010/main" xmlns="" w="9525">
+                <a14:hiddenLine xmlns="" xmlns:a14="http://schemas.microsoft.com/office/drawing/2010/main" w="9525">
                   <a:solidFill>
                     <a:srgbClr val="000000"/>
                   </a:solidFill>
@@ -406,7 +417,7 @@
             </a:ln>
             <a:extLst>
               <a:ext uri="{91240B29-F687-4f45-9708-019B960494DF}">
-                <a14:hiddenLine xmlns:a14="http://schemas.microsoft.com/office/drawing/2010/main" xmlns="" w="9525">
+                <a14:hiddenLine xmlns="" xmlns:a14="http://schemas.microsoft.com/office/drawing/2010/main" w="9525">
                   <a:solidFill>
                     <a:srgbClr val="000000"/>
                   </a:solidFill>
@@ -440,7 +451,7 @@
             </a:ln>
             <a:extLst>
               <a:ext uri="{91240B29-F687-4f45-9708-019B960494DF}">
-                <a14:hiddenLine xmlns:a14="http://schemas.microsoft.com/office/drawing/2010/main" xmlns="" w="9525">
+                <a14:hiddenLine xmlns="" xmlns:a14="http://schemas.microsoft.com/office/drawing/2010/main" w="9525">
                   <a:solidFill>
                     <a:srgbClr val="000000"/>
                   </a:solidFill>
@@ -530,7 +541,7 @@
             </a:ln>
             <a:extLst>
               <a:ext uri="{91240B29-F687-4f45-9708-019B960494DF}">
-                <a14:hiddenLine xmlns:a14="http://schemas.microsoft.com/office/drawing/2010/main" xmlns="" w="9525">
+                <a14:hiddenLine xmlns="" xmlns:a14="http://schemas.microsoft.com/office/drawing/2010/main" w="9525">
                   <a:solidFill>
                     <a:srgbClr val="000000"/>
                   </a:solidFill>
@@ -592,7 +603,7 @@
             </a:ln>
             <a:extLst>
               <a:ext uri="{91240B29-F687-4f45-9708-019B960494DF}">
-                <a14:hiddenLine xmlns:a14="http://schemas.microsoft.com/office/drawing/2010/main" xmlns="" w="9525">
+                <a14:hiddenLine xmlns="" xmlns:a14="http://schemas.microsoft.com/office/drawing/2010/main" w="9525">
                   <a:solidFill>
                     <a:srgbClr val="000000"/>
                   </a:solidFill>
@@ -654,7 +665,7 @@
             </a:ln>
             <a:extLst>
               <a:ext uri="{91240B29-F687-4f45-9708-019B960494DF}">
-                <a14:hiddenLine xmlns:a14="http://schemas.microsoft.com/office/drawing/2010/main" xmlns="" w="9525">
+                <a14:hiddenLine xmlns="" xmlns:a14="http://schemas.microsoft.com/office/drawing/2010/main" w="9525">
                   <a:solidFill>
                     <a:srgbClr val="000000"/>
                   </a:solidFill>
@@ -744,7 +755,7 @@
             </a:ln>
             <a:extLst>
               <a:ext uri="{91240B29-F687-4f45-9708-019B960494DF}">
-                <a14:hiddenLine xmlns:a14="http://schemas.microsoft.com/office/drawing/2010/main" xmlns="" w="9525">
+                <a14:hiddenLine xmlns="" xmlns:a14="http://schemas.microsoft.com/office/drawing/2010/main" w="9525">
                   <a:solidFill>
                     <a:srgbClr val="000000"/>
                   </a:solidFill>
@@ -806,7 +817,7 @@
             </a:ln>
             <a:extLst>
               <a:ext uri="{91240B29-F687-4f45-9708-019B960494DF}">
-                <a14:hiddenLine xmlns:a14="http://schemas.microsoft.com/office/drawing/2010/main" xmlns="" w="9525">
+                <a14:hiddenLine xmlns="" xmlns:a14="http://schemas.microsoft.com/office/drawing/2010/main" w="9525">
                   <a:solidFill>
                     <a:srgbClr val="000000"/>
                   </a:solidFill>
@@ -868,7 +879,7 @@
             </a:ln>
             <a:extLst>
               <a:ext uri="{91240B29-F687-4f45-9708-019B960494DF}">
-                <a14:hiddenLine xmlns:a14="http://schemas.microsoft.com/office/drawing/2010/main" xmlns="" w="9525">
+                <a14:hiddenLine xmlns="" xmlns:a14="http://schemas.microsoft.com/office/drawing/2010/main" w="9525">
                   <a:solidFill>
                     <a:srgbClr val="000000"/>
                   </a:solidFill>
@@ -958,7 +969,7 @@
             </a:ln>
             <a:extLst>
               <a:ext uri="{91240B29-F687-4f45-9708-019B960494DF}">
-                <a14:hiddenLine xmlns:a14="http://schemas.microsoft.com/office/drawing/2010/main" xmlns="" w="9525">
+                <a14:hiddenLine xmlns="" xmlns:a14="http://schemas.microsoft.com/office/drawing/2010/main" w="9525">
                   <a:solidFill>
                     <a:srgbClr val="000000"/>
                   </a:solidFill>
@@ -1048,7 +1059,7 @@
             </a:ln>
             <a:extLst>
               <a:ext uri="{91240B29-F687-4f45-9708-019B960494DF}">
-                <a14:hiddenLine xmlns:a14="http://schemas.microsoft.com/office/drawing/2010/main" xmlns="" w="9525">
+                <a14:hiddenLine xmlns="" xmlns:a14="http://schemas.microsoft.com/office/drawing/2010/main" w="9525">
                   <a:solidFill>
                     <a:srgbClr val="000000"/>
                   </a:solidFill>
@@ -1110,7 +1121,7 @@
             </a:ln>
             <a:extLst>
               <a:ext uri="{91240B29-F687-4f45-9708-019B960494DF}">
-                <a14:hiddenLine xmlns:a14="http://schemas.microsoft.com/office/drawing/2010/main" xmlns="" w="9525">
+                <a14:hiddenLine xmlns="" xmlns:a14="http://schemas.microsoft.com/office/drawing/2010/main" w="9525">
                   <a:solidFill>
                     <a:srgbClr val="000000"/>
                   </a:solidFill>
@@ -1220,7 +1231,7 @@
             </a:ln>
             <a:extLst>
               <a:ext uri="{91240B29-F687-4f45-9708-019B960494DF}">
-                <a14:hiddenLine xmlns:a14="http://schemas.microsoft.com/office/drawing/2010/main" xmlns="" w="9525">
+                <a14:hiddenLine xmlns="" xmlns:a14="http://schemas.microsoft.com/office/drawing/2010/main" w="9525">
                   <a:solidFill>
                     <a:srgbClr val="000000"/>
                   </a:solidFill>
@@ -1282,7 +1293,7 @@
             </a:ln>
             <a:extLst>
               <a:ext uri="{91240B29-F687-4f45-9708-019B960494DF}">
-                <a14:hiddenLine xmlns:a14="http://schemas.microsoft.com/office/drawing/2010/main" xmlns="" w="9525">
+                <a14:hiddenLine xmlns="" xmlns:a14="http://schemas.microsoft.com/office/drawing/2010/main" w="9525">
                   <a:solidFill>
                     <a:srgbClr val="000000"/>
                   </a:solidFill>
@@ -1372,7 +1383,7 @@
             </a:ln>
             <a:extLst>
               <a:ext uri="{91240B29-F687-4f45-9708-019B960494DF}">
-                <a14:hiddenLine xmlns:a14="http://schemas.microsoft.com/office/drawing/2010/main" xmlns="" w="9525">
+                <a14:hiddenLine xmlns="" xmlns:a14="http://schemas.microsoft.com/office/drawing/2010/main" w="9525">
                   <a:solidFill>
                     <a:srgbClr val="000000"/>
                   </a:solidFill>
@@ -1462,7 +1473,7 @@
             </a:ln>
             <a:extLst>
               <a:ext uri="{91240B29-F687-4f45-9708-019B960494DF}">
-                <a14:hiddenLine xmlns:a14="http://schemas.microsoft.com/office/drawing/2010/main" xmlns="" w="9525">
+                <a14:hiddenLine xmlns="" xmlns:a14="http://schemas.microsoft.com/office/drawing/2010/main" w="9525">
                   <a:solidFill>
                     <a:srgbClr val="000000"/>
                   </a:solidFill>
@@ -1524,7 +1535,7 @@
             </a:ln>
             <a:extLst>
               <a:ext uri="{91240B29-F687-4f45-9708-019B960494DF}">
-                <a14:hiddenLine xmlns:a14="http://schemas.microsoft.com/office/drawing/2010/main" xmlns="" w="9525">
+                <a14:hiddenLine xmlns="" xmlns:a14="http://schemas.microsoft.com/office/drawing/2010/main" w="9525">
                   <a:solidFill>
                     <a:srgbClr val="000000"/>
                   </a:solidFill>
@@ -1614,7 +1625,7 @@
             </a:ln>
             <a:extLst>
               <a:ext uri="{91240B29-F687-4f45-9708-019B960494DF}">
-                <a14:hiddenLine xmlns:a14="http://schemas.microsoft.com/office/drawing/2010/main" xmlns="" w="9525">
+                <a14:hiddenLine xmlns="" xmlns:a14="http://schemas.microsoft.com/office/drawing/2010/main" w="9525">
                   <a:solidFill>
                     <a:srgbClr val="000000"/>
                   </a:solidFill>
@@ -1704,7 +1715,7 @@
             </a:ln>
             <a:extLst>
               <a:ext uri="{91240B29-F687-4f45-9708-019B960494DF}">
-                <a14:hiddenLine xmlns:a14="http://schemas.microsoft.com/office/drawing/2010/main" xmlns="" w="9525">
+                <a14:hiddenLine xmlns="" xmlns:a14="http://schemas.microsoft.com/office/drawing/2010/main" w="9525">
                   <a:solidFill>
                     <a:srgbClr val="000000"/>
                   </a:solidFill>
@@ -1760,7 +1771,7 @@
             </a:ln>
             <a:extLst>
               <a:ext uri="{91240B29-F687-4f45-9708-019B960494DF}">
-                <a14:hiddenLine xmlns:a14="http://schemas.microsoft.com/office/drawing/2010/main" xmlns="" w="9525">
+                <a14:hiddenLine xmlns="" xmlns:a14="http://schemas.microsoft.com/office/drawing/2010/main" w="9525">
                   <a:solidFill>
                     <a:srgbClr val="000000"/>
                   </a:solidFill>
@@ -1850,7 +1861,7 @@
             </a:ln>
             <a:extLst>
               <a:ext uri="{91240B29-F687-4f45-9708-019B960494DF}">
-                <a14:hiddenLine xmlns:a14="http://schemas.microsoft.com/office/drawing/2010/main" xmlns="" w="9525">
+                <a14:hiddenLine xmlns="" xmlns:a14="http://schemas.microsoft.com/office/drawing/2010/main" w="9525">
                   <a:solidFill>
                     <a:srgbClr val="000000"/>
                   </a:solidFill>
@@ -1906,7 +1917,7 @@
             </a:ln>
             <a:extLst>
               <a:ext uri="{91240B29-F687-4f45-9708-019B960494DF}">
-                <a14:hiddenLine xmlns:a14="http://schemas.microsoft.com/office/drawing/2010/main" xmlns="" w="9525">
+                <a14:hiddenLine xmlns="" xmlns:a14="http://schemas.microsoft.com/office/drawing/2010/main" w="9525">
                   <a:solidFill>
                     <a:srgbClr val="000000"/>
                   </a:solidFill>
@@ -1996,7 +2007,7 @@
             </a:ln>
             <a:extLst>
               <a:ext uri="{91240B29-F687-4f45-9708-019B960494DF}">
-                <a14:hiddenLine xmlns:a14="http://schemas.microsoft.com/office/drawing/2010/main" xmlns="" w="9525">
+                <a14:hiddenLine xmlns="" xmlns:a14="http://schemas.microsoft.com/office/drawing/2010/main" w="9525">
                   <a:solidFill>
                     <a:srgbClr val="000000"/>
                   </a:solidFill>
@@ -2064,7 +2075,7 @@
             </a:ln>
             <a:extLst>
               <a:ext uri="{91240B29-F687-4f45-9708-019B960494DF}">
-                <a14:hiddenLine xmlns:a14="http://schemas.microsoft.com/office/drawing/2010/main" xmlns="" w="9525">
+                <a14:hiddenLine xmlns="" xmlns:a14="http://schemas.microsoft.com/office/drawing/2010/main" w="9525">
                   <a:solidFill>
                     <a:srgbClr val="000000"/>
                   </a:solidFill>
@@ -2154,7 +2165,7 @@
             </a:ln>
             <a:extLst>
               <a:ext uri="{91240B29-F687-4f45-9708-019B960494DF}">
-                <a14:hiddenLine xmlns:a14="http://schemas.microsoft.com/office/drawing/2010/main" xmlns="" w="9525">
+                <a14:hiddenLine xmlns="" xmlns:a14="http://schemas.microsoft.com/office/drawing/2010/main" w="9525">
                   <a:solidFill>
                     <a:srgbClr val="000000"/>
                   </a:solidFill>
@@ -2222,7 +2233,7 @@
             </a:ln>
             <a:extLst>
               <a:ext uri="{91240B29-F687-4f45-9708-019B960494DF}">
-                <a14:hiddenLine xmlns:a14="http://schemas.microsoft.com/office/drawing/2010/main" xmlns="" w="9525">
+                <a14:hiddenLine xmlns="" xmlns:a14="http://schemas.microsoft.com/office/drawing/2010/main" w="9525">
                   <a:solidFill>
                     <a:srgbClr val="000000"/>
                   </a:solidFill>
@@ -2312,7 +2323,7 @@
             </a:ln>
             <a:extLst>
               <a:ext uri="{91240B29-F687-4f45-9708-019B960494DF}">
-                <a14:hiddenLine xmlns:a14="http://schemas.microsoft.com/office/drawing/2010/main" xmlns="" w="9525">
+                <a14:hiddenLine xmlns="" xmlns:a14="http://schemas.microsoft.com/office/drawing/2010/main" w="9525">
                   <a:solidFill>
                     <a:srgbClr val="000000"/>
                   </a:solidFill>
@@ -2346,7 +2357,7 @@
             </a:ln>
             <a:extLst>
               <a:ext uri="{91240B29-F687-4f45-9708-019B960494DF}">
-                <a14:hiddenLine xmlns:a14="http://schemas.microsoft.com/office/drawing/2010/main" xmlns="" w="9525">
+                <a14:hiddenLine xmlns="" xmlns:a14="http://schemas.microsoft.com/office/drawing/2010/main" w="9525">
                   <a:solidFill>
                     <a:srgbClr val="000000"/>
                   </a:solidFill>
@@ -2436,7 +2447,7 @@
             </a:ln>
             <a:extLst>
               <a:ext uri="{91240B29-F687-4f45-9708-019B960494DF}">
-                <a14:hiddenLine xmlns:a14="http://schemas.microsoft.com/office/drawing/2010/main" xmlns="" w="9525">
+                <a14:hiddenLine xmlns="" xmlns:a14="http://schemas.microsoft.com/office/drawing/2010/main" w="9525">
                   <a:solidFill>
                     <a:srgbClr val="000000"/>
                   </a:solidFill>
@@ -2498,7 +2509,7 @@
             </a:ln>
             <a:extLst>
               <a:ext uri="{91240B29-F687-4f45-9708-019B960494DF}">
-                <a14:hiddenLine xmlns:a14="http://schemas.microsoft.com/office/drawing/2010/main" xmlns="" w="9525">
+                <a14:hiddenLine xmlns="" xmlns:a14="http://schemas.microsoft.com/office/drawing/2010/main" w="9525">
                   <a:solidFill>
                     <a:srgbClr val="000000"/>
                   </a:solidFill>
@@ -2560,7 +2571,7 @@
             </a:ln>
             <a:extLst>
               <a:ext uri="{91240B29-F687-4f45-9708-019B960494DF}">
-                <a14:hiddenLine xmlns:a14="http://schemas.microsoft.com/office/drawing/2010/main" xmlns="" w="9525">
+                <a14:hiddenLine xmlns="" xmlns:a14="http://schemas.microsoft.com/office/drawing/2010/main" w="9525">
                   <a:solidFill>
                     <a:srgbClr val="000000"/>
                   </a:solidFill>
@@ -2650,7 +2661,7 @@
             </a:ln>
             <a:extLst>
               <a:ext uri="{91240B29-F687-4f45-9708-019B960494DF}">
-                <a14:hiddenLine xmlns:a14="http://schemas.microsoft.com/office/drawing/2010/main" xmlns="" w="9525">
+                <a14:hiddenLine xmlns="" xmlns:a14="http://schemas.microsoft.com/office/drawing/2010/main" w="9525">
                   <a:solidFill>
                     <a:srgbClr val="000000"/>
                   </a:solidFill>
@@ -2718,7 +2729,7 @@
             </a:ln>
             <a:extLst>
               <a:ext uri="{91240B29-F687-4f45-9708-019B960494DF}">
-                <a14:hiddenLine xmlns:a14="http://schemas.microsoft.com/office/drawing/2010/main" xmlns="" w="9525">
+                <a14:hiddenLine xmlns="" xmlns:a14="http://schemas.microsoft.com/office/drawing/2010/main" w="9525">
                   <a:solidFill>
                     <a:srgbClr val="000000"/>
                   </a:solidFill>
@@ -2780,7 +2791,7 @@
             </a:ln>
             <a:extLst>
               <a:ext uri="{91240B29-F687-4f45-9708-019B960494DF}">
-                <a14:hiddenLine xmlns:a14="http://schemas.microsoft.com/office/drawing/2010/main" xmlns="" w="9525">
+                <a14:hiddenLine xmlns="" xmlns:a14="http://schemas.microsoft.com/office/drawing/2010/main" w="9525">
                   <a:solidFill>
                     <a:srgbClr val="000000"/>
                   </a:solidFill>
@@ -2870,7 +2881,7 @@
             </a:ln>
             <a:extLst>
               <a:ext uri="{91240B29-F687-4f45-9708-019B960494DF}">
-                <a14:hiddenLine xmlns:a14="http://schemas.microsoft.com/office/drawing/2010/main" xmlns="" w="9525">
+                <a14:hiddenLine xmlns="" xmlns:a14="http://schemas.microsoft.com/office/drawing/2010/main" w="9525">
                   <a:solidFill>
                     <a:srgbClr val="000000"/>
                   </a:solidFill>
@@ -2932,7 +2943,7 @@
             </a:ln>
             <a:extLst>
               <a:ext uri="{91240B29-F687-4f45-9708-019B960494DF}">
-                <a14:hiddenLine xmlns:a14="http://schemas.microsoft.com/office/drawing/2010/main" xmlns="" w="9525">
+                <a14:hiddenLine xmlns="" xmlns:a14="http://schemas.microsoft.com/office/drawing/2010/main" w="9525">
                   <a:solidFill>
                     <a:srgbClr val="000000"/>
                   </a:solidFill>
@@ -3022,7 +3033,7 @@
             </a:ln>
             <a:extLst>
               <a:ext uri="{91240B29-F687-4f45-9708-019B960494DF}">
-                <a14:hiddenLine xmlns:a14="http://schemas.microsoft.com/office/drawing/2010/main" xmlns="" w="9525">
+                <a14:hiddenLine xmlns="" xmlns:a14="http://schemas.microsoft.com/office/drawing/2010/main" w="9525">
                   <a:solidFill>
                     <a:srgbClr val="000000"/>
                   </a:solidFill>
@@ -3084,7 +3095,7 @@
             </a:ln>
             <a:extLst>
               <a:ext uri="{91240B29-F687-4f45-9708-019B960494DF}">
-                <a14:hiddenLine xmlns:a14="http://schemas.microsoft.com/office/drawing/2010/main" xmlns="" w="9525">
+                <a14:hiddenLine xmlns="" xmlns:a14="http://schemas.microsoft.com/office/drawing/2010/main" w="9525">
                   <a:solidFill>
                     <a:srgbClr val="000000"/>
                   </a:solidFill>
@@ -3174,7 +3185,7 @@
             </a:ln>
             <a:extLst>
               <a:ext uri="{91240B29-F687-4f45-9708-019B960494DF}">
-                <a14:hiddenLine xmlns:a14="http://schemas.microsoft.com/office/drawing/2010/main" xmlns="" w="9525">
+                <a14:hiddenLine xmlns="" xmlns:a14="http://schemas.microsoft.com/office/drawing/2010/main" w="9525">
                   <a:solidFill>
                     <a:srgbClr val="000000"/>
                   </a:solidFill>
@@ -3208,7 +3219,7 @@
             </a:ln>
             <a:extLst>
               <a:ext uri="{91240B29-F687-4f45-9708-019B960494DF}">
-                <a14:hiddenLine xmlns:a14="http://schemas.microsoft.com/office/drawing/2010/main" xmlns="" w="9525">
+                <a14:hiddenLine xmlns="" xmlns:a14="http://schemas.microsoft.com/office/drawing/2010/main" w="9525">
                   <a:solidFill>
                     <a:srgbClr val="000000"/>
                   </a:solidFill>
@@ -3273,7 +3284,7 @@
             </a:ln>
             <a:extLst>
               <a:ext uri="{91240B29-F687-4f45-9708-019B960494DF}">
-                <a14:hiddenLine xmlns:a14="http://schemas.microsoft.com/office/drawing/2010/main" xmlns="" w="9525">
+                <a14:hiddenLine xmlns="" xmlns:a14="http://schemas.microsoft.com/office/drawing/2010/main" w="9525">
                   <a:solidFill>
                     <a:srgbClr val="000000"/>
                   </a:solidFill>
@@ -3363,7 +3374,7 @@
             </a:ln>
             <a:extLst>
               <a:ext uri="{91240B29-F687-4f45-9708-019B960494DF}">
-                <a14:hiddenLine xmlns:a14="http://schemas.microsoft.com/office/drawing/2010/main" xmlns="" w="9525">
+                <a14:hiddenLine xmlns="" xmlns:a14="http://schemas.microsoft.com/office/drawing/2010/main" w="9525">
                   <a:solidFill>
                     <a:srgbClr val="000000"/>
                   </a:solidFill>
@@ -3425,7 +3436,7 @@
             </a:ln>
             <a:extLst>
               <a:ext uri="{91240B29-F687-4f45-9708-019B960494DF}">
-                <a14:hiddenLine xmlns:a14="http://schemas.microsoft.com/office/drawing/2010/main" xmlns="" w="9525">
+                <a14:hiddenLine xmlns="" xmlns:a14="http://schemas.microsoft.com/office/drawing/2010/main" w="9525">
                   <a:solidFill>
                     <a:srgbClr val="000000"/>
                   </a:solidFill>
@@ -3515,7 +3526,7 @@
             </a:ln>
             <a:extLst>
               <a:ext uri="{91240B29-F687-4f45-9708-019B960494DF}">
-                <a14:hiddenLine xmlns:a14="http://schemas.microsoft.com/office/drawing/2010/main" xmlns="" w="9525">
+                <a14:hiddenLine xmlns="" xmlns:a14="http://schemas.microsoft.com/office/drawing/2010/main" w="9525">
                   <a:solidFill>
                     <a:srgbClr val="000000"/>
                   </a:solidFill>
@@ -3605,7 +3616,7 @@
             </a:ln>
             <a:extLst>
               <a:ext uri="{91240B29-F687-4f45-9708-019B960494DF}">
-                <a14:hiddenLine xmlns:a14="http://schemas.microsoft.com/office/drawing/2010/main" xmlns="" w="9525">
+                <a14:hiddenLine xmlns="" xmlns:a14="http://schemas.microsoft.com/office/drawing/2010/main" w="9525">
                   <a:solidFill>
                     <a:srgbClr val="000000"/>
                   </a:solidFill>
@@ -3670,7 +3681,7 @@
             </a:ln>
             <a:extLst>
               <a:ext uri="{91240B29-F687-4f45-9708-019B960494DF}">
-                <a14:hiddenLine xmlns:a14="http://schemas.microsoft.com/office/drawing/2010/main" xmlns="" w="9525">
+                <a14:hiddenLine xmlns="" xmlns:a14="http://schemas.microsoft.com/office/drawing/2010/main" w="9525">
                   <a:solidFill>
                     <a:srgbClr val="000000"/>
                   </a:solidFill>
@@ -3732,7 +3743,7 @@
             </a:ln>
             <a:extLst>
               <a:ext uri="{91240B29-F687-4f45-9708-019B960494DF}">
-                <a14:hiddenLine xmlns:a14="http://schemas.microsoft.com/office/drawing/2010/main" xmlns="" w="9525">
+                <a14:hiddenLine xmlns="" xmlns:a14="http://schemas.microsoft.com/office/drawing/2010/main" w="9525">
                   <a:solidFill>
                     <a:srgbClr val="000000"/>
                   </a:solidFill>
@@ -3822,7 +3833,7 @@
             </a:ln>
             <a:extLst>
               <a:ext uri="{91240B29-F687-4f45-9708-019B960494DF}">
-                <a14:hiddenLine xmlns:a14="http://schemas.microsoft.com/office/drawing/2010/main" xmlns="" w="9525">
+                <a14:hiddenLine xmlns="" xmlns:a14="http://schemas.microsoft.com/office/drawing/2010/main" w="9525">
                   <a:solidFill>
                     <a:srgbClr val="000000"/>
                   </a:solidFill>
@@ -3912,7 +3923,7 @@
             </a:ln>
             <a:extLst>
               <a:ext uri="{91240B29-F687-4f45-9708-019B960494DF}">
-                <a14:hiddenLine xmlns:a14="http://schemas.microsoft.com/office/drawing/2010/main" xmlns="" w="9525">
+                <a14:hiddenLine xmlns="" xmlns:a14="http://schemas.microsoft.com/office/drawing/2010/main" w="9525">
                   <a:solidFill>
                     <a:srgbClr val="000000"/>
                   </a:solidFill>
@@ -3974,7 +3985,7 @@
             </a:ln>
             <a:extLst>
               <a:ext uri="{91240B29-F687-4f45-9708-019B960494DF}">
-                <a14:hiddenLine xmlns:a14="http://schemas.microsoft.com/office/drawing/2010/main" xmlns="" w="9525">
+                <a14:hiddenLine xmlns="" xmlns:a14="http://schemas.microsoft.com/office/drawing/2010/main" w="9525">
                   <a:solidFill>
                     <a:srgbClr val="000000"/>
                   </a:solidFill>
@@ -4094,7 +4105,7 @@
             </a:ln>
             <a:extLst>
               <a:ext uri="{91240B29-F687-4f45-9708-019B960494DF}">
-                <a14:hiddenLine xmlns:a14="http://schemas.microsoft.com/office/drawing/2010/main" xmlns="" w="9525">
+                <a14:hiddenLine xmlns="" xmlns:a14="http://schemas.microsoft.com/office/drawing/2010/main" w="9525">
                   <a:solidFill>
                     <a:srgbClr val="000000"/>
                   </a:solidFill>
@@ -4162,7 +4173,7 @@
             </a:ln>
             <a:extLst>
               <a:ext uri="{91240B29-F687-4f45-9708-019B960494DF}">
-                <a14:hiddenLine xmlns:a14="http://schemas.microsoft.com/office/drawing/2010/main" xmlns="" w="9525">
+                <a14:hiddenLine xmlns="" xmlns:a14="http://schemas.microsoft.com/office/drawing/2010/main" w="9525">
                   <a:solidFill>
                     <a:srgbClr val="000000"/>
                   </a:solidFill>
@@ -4252,7 +4263,7 @@
             </a:ln>
             <a:extLst>
               <a:ext uri="{91240B29-F687-4f45-9708-019B960494DF}">
-                <a14:hiddenLine xmlns:a14="http://schemas.microsoft.com/office/drawing/2010/main" xmlns="" w="9525">
+                <a14:hiddenLine xmlns="" xmlns:a14="http://schemas.microsoft.com/office/drawing/2010/main" w="9525">
                   <a:solidFill>
                     <a:srgbClr val="000000"/>
                   </a:solidFill>
@@ -8981,7 +8992,7 @@
           <a:noFill/>
           <a:extLst>
             <a:ext uri="{909E8E84-426E-40dd-AFC4-6F175D3DCCD1}">
-              <a14:hiddenFill xmlns:a14="http://schemas.microsoft.com/office/drawing/2010/main" xmlns="">
+              <a14:hiddenFill xmlns="" xmlns:a14="http://schemas.microsoft.com/office/drawing/2010/main">
                 <a:solidFill>
                   <a:srgbClr val="FFFFFF"/>
                 </a:solidFill>
@@ -9055,7 +9066,7 @@
               </a:ln>
               <a:extLst>
                 <a:ext uri="{91240B29-F687-4f45-9708-019B960494DF}">
-                  <a14:hiddenLine xmlns:a14="http://schemas.microsoft.com/office/drawing/2010/main" xmlns="" w="9525">
+                  <a14:hiddenLine xmlns="" xmlns:a14="http://schemas.microsoft.com/office/drawing/2010/main" w="9525">
                     <a:solidFill>
                       <a:srgbClr val="000000"/>
                     </a:solidFill>
@@ -9145,7 +9156,7 @@
               </a:ln>
               <a:extLst>
                 <a:ext uri="{91240B29-F687-4f45-9708-019B960494DF}">
-                  <a14:hiddenLine xmlns:a14="http://schemas.microsoft.com/office/drawing/2010/main" xmlns="" w="9525">
+                  <a14:hiddenLine xmlns="" xmlns:a14="http://schemas.microsoft.com/office/drawing/2010/main" w="9525">
                     <a:solidFill>
                       <a:srgbClr val="000000"/>
                     </a:solidFill>
@@ -9235,7 +9246,7 @@
               </a:ln>
               <a:extLst>
                 <a:ext uri="{91240B29-F687-4f45-9708-019B960494DF}">
-                  <a14:hiddenLine xmlns:a14="http://schemas.microsoft.com/office/drawing/2010/main" xmlns="" w="9525">
+                  <a14:hiddenLine xmlns="" xmlns:a14="http://schemas.microsoft.com/office/drawing/2010/main" w="9525">
                     <a:solidFill>
                       <a:srgbClr val="000000"/>
                     </a:solidFill>
@@ -9297,7 +9308,7 @@
               </a:ln>
               <a:extLst>
                 <a:ext uri="{91240B29-F687-4f45-9708-019B960494DF}">
-                  <a14:hiddenLine xmlns:a14="http://schemas.microsoft.com/office/drawing/2010/main" xmlns="" w="9525">
+                  <a14:hiddenLine xmlns="" xmlns:a14="http://schemas.microsoft.com/office/drawing/2010/main" w="9525">
                     <a:solidFill>
                       <a:srgbClr val="000000"/>
                     </a:solidFill>
@@ -9387,7 +9398,7 @@
               </a:ln>
               <a:extLst>
                 <a:ext uri="{91240B29-F687-4f45-9708-019B960494DF}">
-                  <a14:hiddenLine xmlns:a14="http://schemas.microsoft.com/office/drawing/2010/main" xmlns="" w="9525">
+                  <a14:hiddenLine xmlns="" xmlns:a14="http://schemas.microsoft.com/office/drawing/2010/main" w="9525">
                     <a:solidFill>
                       <a:srgbClr val="000000"/>
                     </a:solidFill>
@@ -9449,7 +9460,7 @@
               </a:ln>
               <a:extLst>
                 <a:ext uri="{91240B29-F687-4f45-9708-019B960494DF}">
-                  <a14:hiddenLine xmlns:a14="http://schemas.microsoft.com/office/drawing/2010/main" xmlns="" w="9525">
+                  <a14:hiddenLine xmlns="" xmlns:a14="http://schemas.microsoft.com/office/drawing/2010/main" w="9525">
                     <a:solidFill>
                       <a:srgbClr val="000000"/>
                     </a:solidFill>
@@ -9511,7 +9522,7 @@
               </a:ln>
               <a:extLst>
                 <a:ext uri="{91240B29-F687-4f45-9708-019B960494DF}">
-                  <a14:hiddenLine xmlns:a14="http://schemas.microsoft.com/office/drawing/2010/main" xmlns="" w="9525">
+                  <a14:hiddenLine xmlns="" xmlns:a14="http://schemas.microsoft.com/office/drawing/2010/main" w="9525">
                     <a:solidFill>
                       <a:srgbClr val="000000"/>
                     </a:solidFill>
@@ -9601,7 +9612,7 @@
               </a:ln>
               <a:extLst>
                 <a:ext uri="{91240B29-F687-4f45-9708-019B960494DF}">
-                  <a14:hiddenLine xmlns:a14="http://schemas.microsoft.com/office/drawing/2010/main" xmlns="" w="9525">
+                  <a14:hiddenLine xmlns="" xmlns:a14="http://schemas.microsoft.com/office/drawing/2010/main" w="9525">
                     <a:solidFill>
                       <a:srgbClr val="000000"/>
                     </a:solidFill>
@@ -9691,7 +9702,7 @@
               </a:ln>
               <a:extLst>
                 <a:ext uri="{91240B29-F687-4f45-9708-019B960494DF}">
-                  <a14:hiddenLine xmlns:a14="http://schemas.microsoft.com/office/drawing/2010/main" xmlns="" w="9525">
+                  <a14:hiddenLine xmlns="" xmlns:a14="http://schemas.microsoft.com/office/drawing/2010/main" w="9525">
                     <a:solidFill>
                       <a:srgbClr val="000000"/>
                     </a:solidFill>
@@ -9753,7 +9764,7 @@
               </a:ln>
               <a:extLst>
                 <a:ext uri="{91240B29-F687-4f45-9708-019B960494DF}">
-                  <a14:hiddenLine xmlns:a14="http://schemas.microsoft.com/office/drawing/2010/main" xmlns="" w="9525">
+                  <a14:hiddenLine xmlns="" xmlns:a14="http://schemas.microsoft.com/office/drawing/2010/main" w="9525">
                     <a:solidFill>
                       <a:srgbClr val="000000"/>
                     </a:solidFill>
@@ -9863,7 +9874,7 @@
               </a:ln>
               <a:extLst>
                 <a:ext uri="{91240B29-F687-4f45-9708-019B960494DF}">
-                  <a14:hiddenLine xmlns:a14="http://schemas.microsoft.com/office/drawing/2010/main" xmlns="" w="9525">
+                  <a14:hiddenLine xmlns="" xmlns:a14="http://schemas.microsoft.com/office/drawing/2010/main" w="9525">
                     <a:solidFill>
                       <a:srgbClr val="000000"/>
                     </a:solidFill>
@@ -9947,7 +9958,7 @@
               </a:ln>
               <a:extLst>
                 <a:ext uri="{91240B29-F687-4f45-9708-019B960494DF}">
-                  <a14:hiddenLine xmlns:a14="http://schemas.microsoft.com/office/drawing/2010/main" xmlns="" w="9525">
+                  <a14:hiddenLine xmlns="" xmlns:a14="http://schemas.microsoft.com/office/drawing/2010/main" w="9525">
                     <a:solidFill>
                       <a:srgbClr val="000000"/>
                     </a:solidFill>
@@ -10009,7 +10020,7 @@
               </a:ln>
               <a:extLst>
                 <a:ext uri="{91240B29-F687-4f45-9708-019B960494DF}">
-                  <a14:hiddenLine xmlns:a14="http://schemas.microsoft.com/office/drawing/2010/main" xmlns="" w="9525">
+                  <a14:hiddenLine xmlns="" xmlns:a14="http://schemas.microsoft.com/office/drawing/2010/main" w="9525">
                     <a:solidFill>
                       <a:srgbClr val="000000"/>
                     </a:solidFill>
@@ -10071,7 +10082,7 @@
               </a:ln>
               <a:extLst>
                 <a:ext uri="{91240B29-F687-4f45-9708-019B960494DF}">
-                  <a14:hiddenLine xmlns:a14="http://schemas.microsoft.com/office/drawing/2010/main" xmlns="" w="9525">
+                  <a14:hiddenLine xmlns="" xmlns:a14="http://schemas.microsoft.com/office/drawing/2010/main" w="9525">
                     <a:solidFill>
                       <a:srgbClr val="000000"/>
                     </a:solidFill>
@@ -10161,7 +10172,7 @@
               </a:ln>
               <a:extLst>
                 <a:ext uri="{91240B29-F687-4f45-9708-019B960494DF}">
-                  <a14:hiddenLine xmlns:a14="http://schemas.microsoft.com/office/drawing/2010/main" xmlns="" w="9525">
+                  <a14:hiddenLine xmlns="" xmlns:a14="http://schemas.microsoft.com/office/drawing/2010/main" w="9525">
                     <a:solidFill>
                       <a:srgbClr val="000000"/>
                     </a:solidFill>
@@ -10195,7 +10206,7 @@
               </a:ln>
               <a:extLst>
                 <a:ext uri="{91240B29-F687-4f45-9708-019B960494DF}">
-                  <a14:hiddenLine xmlns:a14="http://schemas.microsoft.com/office/drawing/2010/main" xmlns="" w="9525">
+                  <a14:hiddenLine xmlns="" xmlns:a14="http://schemas.microsoft.com/office/drawing/2010/main" w="9525">
                     <a:solidFill>
                       <a:srgbClr val="000000"/>
                     </a:solidFill>
@@ -10260,7 +10271,7 @@
               </a:ln>
               <a:extLst>
                 <a:ext uri="{91240B29-F687-4f45-9708-019B960494DF}">
-                  <a14:hiddenLine xmlns:a14="http://schemas.microsoft.com/office/drawing/2010/main" xmlns="" w="9525">
+                  <a14:hiddenLine xmlns="" xmlns:a14="http://schemas.microsoft.com/office/drawing/2010/main" w="9525">
                     <a:solidFill>
                       <a:srgbClr val="000000"/>
                     </a:solidFill>
@@ -10350,7 +10361,7 @@
               </a:ln>
               <a:extLst>
                 <a:ext uri="{91240B29-F687-4f45-9708-019B960494DF}">
-                  <a14:hiddenLine xmlns:a14="http://schemas.microsoft.com/office/drawing/2010/main" xmlns="" w="9525">
+                  <a14:hiddenLine xmlns="" xmlns:a14="http://schemas.microsoft.com/office/drawing/2010/main" w="9525">
                     <a:solidFill>
                       <a:srgbClr val="000000"/>
                     </a:solidFill>
@@ -10412,7 +10423,7 @@
               </a:ln>
               <a:extLst>
                 <a:ext uri="{91240B29-F687-4f45-9708-019B960494DF}">
-                  <a14:hiddenLine xmlns:a14="http://schemas.microsoft.com/office/drawing/2010/main" xmlns="" w="9525">
+                  <a14:hiddenLine xmlns="" xmlns:a14="http://schemas.microsoft.com/office/drawing/2010/main" w="9525">
                     <a:solidFill>
                       <a:srgbClr val="000000"/>
                     </a:solidFill>
@@ -10502,7 +10513,7 @@
               </a:ln>
               <a:extLst>
                 <a:ext uri="{91240B29-F687-4f45-9708-019B960494DF}">
-                  <a14:hiddenLine xmlns:a14="http://schemas.microsoft.com/office/drawing/2010/main" xmlns="" w="9525">
+                  <a14:hiddenLine xmlns="" xmlns:a14="http://schemas.microsoft.com/office/drawing/2010/main" w="9525">
                     <a:solidFill>
                       <a:srgbClr val="000000"/>
                     </a:solidFill>
@@ -10567,7 +10578,7 @@
               </a:ln>
               <a:extLst>
                 <a:ext uri="{91240B29-F687-4f45-9708-019B960494DF}">
-                  <a14:hiddenLine xmlns:a14="http://schemas.microsoft.com/office/drawing/2010/main" xmlns="" w="9525">
+                  <a14:hiddenLine xmlns="" xmlns:a14="http://schemas.microsoft.com/office/drawing/2010/main" w="9525">
                     <a:solidFill>
                       <a:srgbClr val="000000"/>
                     </a:solidFill>
@@ -10629,7 +10640,7 @@
               </a:ln>
               <a:extLst>
                 <a:ext uri="{91240B29-F687-4f45-9708-019B960494DF}">
-                  <a14:hiddenLine xmlns:a14="http://schemas.microsoft.com/office/drawing/2010/main" xmlns="" w="9525">
+                  <a14:hiddenLine xmlns="" xmlns:a14="http://schemas.microsoft.com/office/drawing/2010/main" w="9525">
                     <a:solidFill>
                       <a:srgbClr val="000000"/>
                     </a:solidFill>
@@ -10719,7 +10730,7 @@
               </a:ln>
               <a:extLst>
                 <a:ext uri="{91240B29-F687-4f45-9708-019B960494DF}">
-                  <a14:hiddenLine xmlns:a14="http://schemas.microsoft.com/office/drawing/2010/main" xmlns="" w="9525">
+                  <a14:hiddenLine xmlns="" xmlns:a14="http://schemas.microsoft.com/office/drawing/2010/main" w="9525">
                     <a:solidFill>
                       <a:srgbClr val="000000"/>
                     </a:solidFill>
@@ -10809,7 +10820,7 @@
               </a:ln>
               <a:extLst>
                 <a:ext uri="{91240B29-F687-4f45-9708-019B960494DF}">
-                  <a14:hiddenLine xmlns:a14="http://schemas.microsoft.com/office/drawing/2010/main" xmlns="" w="9525">
+                  <a14:hiddenLine xmlns="" xmlns:a14="http://schemas.microsoft.com/office/drawing/2010/main" w="9525">
                     <a:solidFill>
                       <a:srgbClr val="000000"/>
                     </a:solidFill>
@@ -10874,7 +10885,7 @@
               </a:ln>
               <a:extLst>
                 <a:ext uri="{91240B29-F687-4f45-9708-019B960494DF}">
-                  <a14:hiddenLine xmlns:a14="http://schemas.microsoft.com/office/drawing/2010/main" xmlns="" w="9525">
+                  <a14:hiddenLine xmlns="" xmlns:a14="http://schemas.microsoft.com/office/drawing/2010/main" w="9525">
                     <a:solidFill>
                       <a:srgbClr val="000000"/>
                     </a:solidFill>
@@ -10994,7 +11005,7 @@
               </a:ln>
               <a:extLst>
                 <a:ext uri="{91240B29-F687-4f45-9708-019B960494DF}">
-                  <a14:hiddenLine xmlns:a14="http://schemas.microsoft.com/office/drawing/2010/main" xmlns="" w="9525">
+                  <a14:hiddenLine xmlns="" xmlns:a14="http://schemas.microsoft.com/office/drawing/2010/main" w="9525">
                     <a:solidFill>
                       <a:srgbClr val="000000"/>
                     </a:solidFill>
@@ -11075,7 +11086,7 @@
               </a:ln>
               <a:extLst>
                 <a:ext uri="{91240B29-F687-4f45-9708-019B960494DF}">
-                  <a14:hiddenLine xmlns:a14="http://schemas.microsoft.com/office/drawing/2010/main" xmlns="" w="9525">
+                  <a14:hiddenLine xmlns="" xmlns:a14="http://schemas.microsoft.com/office/drawing/2010/main" w="9525">
                     <a:solidFill>
                       <a:srgbClr val="000000"/>
                     </a:solidFill>
@@ -11190,7 +11201,7 @@
               </a:ln>
               <a:extLst>
                 <a:ext uri="{91240B29-F687-4f45-9708-019B960494DF}">
-                  <a14:hiddenLine xmlns:a14="http://schemas.microsoft.com/office/drawing/2010/main" xmlns="" w="9525">
+                  <a14:hiddenLine xmlns="" xmlns:a14="http://schemas.microsoft.com/office/drawing/2010/main" w="9525">
                     <a:solidFill>
                       <a:srgbClr val="000000"/>
                     </a:solidFill>
@@ -11280,7 +11291,7 @@
               </a:ln>
               <a:extLst>
                 <a:ext uri="{91240B29-F687-4f45-9708-019B960494DF}">
-                  <a14:hiddenLine xmlns:a14="http://schemas.microsoft.com/office/drawing/2010/main" xmlns="" w="9525">
+                  <a14:hiddenLine xmlns="" xmlns:a14="http://schemas.microsoft.com/office/drawing/2010/main" w="9525">
                     <a:solidFill>
                       <a:srgbClr val="000000"/>
                     </a:solidFill>
@@ -11345,7 +11356,7 @@
               </a:ln>
               <a:extLst>
                 <a:ext uri="{91240B29-F687-4f45-9708-019B960494DF}">
-                  <a14:hiddenLine xmlns:a14="http://schemas.microsoft.com/office/drawing/2010/main" xmlns="" w="9525">
+                  <a14:hiddenLine xmlns="" xmlns:a14="http://schemas.microsoft.com/office/drawing/2010/main" w="9525">
                     <a:solidFill>
                       <a:srgbClr val="000000"/>
                     </a:solidFill>
@@ -11435,7 +11446,7 @@
               </a:ln>
               <a:extLst>
                 <a:ext uri="{91240B29-F687-4f45-9708-019B960494DF}">
-                  <a14:hiddenLine xmlns:a14="http://schemas.microsoft.com/office/drawing/2010/main" xmlns="" w="9525">
+                  <a14:hiddenLine xmlns="" xmlns:a14="http://schemas.microsoft.com/office/drawing/2010/main" w="9525">
                     <a:solidFill>
                       <a:srgbClr val="000000"/>
                     </a:solidFill>
@@ -11503,7 +11514,7 @@
               </a:ln>
               <a:extLst>
                 <a:ext uri="{91240B29-F687-4f45-9708-019B960494DF}">
-                  <a14:hiddenLine xmlns:a14="http://schemas.microsoft.com/office/drawing/2010/main" xmlns="" w="9525">
+                  <a14:hiddenLine xmlns="" xmlns:a14="http://schemas.microsoft.com/office/drawing/2010/main" w="9525">
                     <a:solidFill>
                       <a:srgbClr val="000000"/>
                     </a:solidFill>
@@ -11593,7 +11604,7 @@
               </a:ln>
               <a:extLst>
                 <a:ext uri="{91240B29-F687-4f45-9708-019B960494DF}">
-                  <a14:hiddenLine xmlns:a14="http://schemas.microsoft.com/office/drawing/2010/main" xmlns="" w="9525">
+                  <a14:hiddenLine xmlns="" xmlns:a14="http://schemas.microsoft.com/office/drawing/2010/main" w="9525">
                     <a:solidFill>
                       <a:srgbClr val="000000"/>
                     </a:solidFill>
@@ -11661,7 +11672,7 @@
               </a:ln>
               <a:extLst>
                 <a:ext uri="{91240B29-F687-4f45-9708-019B960494DF}">
-                  <a14:hiddenLine xmlns:a14="http://schemas.microsoft.com/office/drawing/2010/main" xmlns="" w="9525">
+                  <a14:hiddenLine xmlns="" xmlns:a14="http://schemas.microsoft.com/office/drawing/2010/main" w="9525">
                     <a:solidFill>
                       <a:srgbClr val="000000"/>
                     </a:solidFill>
@@ -11751,7 +11762,7 @@
               </a:ln>
               <a:extLst>
                 <a:ext uri="{91240B29-F687-4f45-9708-019B960494DF}">
-                  <a14:hiddenLine xmlns:a14="http://schemas.microsoft.com/office/drawing/2010/main" xmlns="" w="9525">
+                  <a14:hiddenLine xmlns="" xmlns:a14="http://schemas.microsoft.com/office/drawing/2010/main" w="9525">
                     <a:solidFill>
                       <a:srgbClr val="000000"/>
                     </a:solidFill>
@@ -11785,7 +11796,7 @@
               </a:ln>
               <a:extLst>
                 <a:ext uri="{91240B29-F687-4f45-9708-019B960494DF}">
-                  <a14:hiddenLine xmlns:a14="http://schemas.microsoft.com/office/drawing/2010/main" xmlns="" w="9525">
+                  <a14:hiddenLine xmlns="" xmlns:a14="http://schemas.microsoft.com/office/drawing/2010/main" w="9525">
                     <a:solidFill>
                       <a:srgbClr val="000000"/>
                     </a:solidFill>
@@ -12399,6 +12410,74 @@
 </p:sld>
 </file>
 
+<file path=ppt/slides/slide10.xml><?xml version="1.0" encoding="utf-8"?>
+<p:sld xmlns:a="http://schemas.openxmlformats.org/drawingml/2006/main" xmlns:r="http://schemas.openxmlformats.org/officeDocument/2006/relationships" xmlns:p="http://schemas.openxmlformats.org/presentationml/2006/main">
+  <p:cSld>
+    <p:spTree>
+      <p:nvGrpSpPr>
+        <p:cNvPr id="1" name=""/>
+        <p:cNvGrpSpPr/>
+        <p:nvPr/>
+      </p:nvGrpSpPr>
+      <p:grpSpPr>
+        <a:xfrm>
+          <a:off x="0" y="0"/>
+          <a:ext cx="0" cy="0"/>
+          <a:chOff x="0" y="0"/>
+          <a:chExt cx="0" cy="0"/>
+        </a:xfrm>
+      </p:grpSpPr>
+      <p:sp>
+        <p:nvSpPr>
+          <p:cNvPr id="2" name="Title 1"/>
+          <p:cNvSpPr>
+            <a:spLocks noGrp="1"/>
+          </p:cNvSpPr>
+          <p:nvPr>
+            <p:ph type="title"/>
+          </p:nvPr>
+        </p:nvSpPr>
+        <p:spPr/>
+        <p:txBody>
+          <a:bodyPr/>
+          <a:lstStyle/>
+          <a:p>
+            <a:endParaRPr lang="en-NZ"/>
+          </a:p>
+        </p:txBody>
+      </p:sp>
+      <p:sp>
+        <p:nvSpPr>
+          <p:cNvPr id="3" name="Content Placeholder 2"/>
+          <p:cNvSpPr>
+            <a:spLocks noGrp="1"/>
+          </p:cNvSpPr>
+          <p:nvPr>
+            <p:ph idx="1"/>
+          </p:nvPr>
+        </p:nvSpPr>
+        <p:spPr/>
+        <p:txBody>
+          <a:bodyPr/>
+          <a:lstStyle/>
+          <a:p>
+            <a:endParaRPr lang="en-NZ"/>
+          </a:p>
+        </p:txBody>
+      </p:sp>
+    </p:spTree>
+    <p:extLst>
+      <p:ext uri="{BB962C8B-B14F-4D97-AF65-F5344CB8AC3E}">
+        <p14:creationId xmlns:p14="http://schemas.microsoft.com/office/powerpoint/2010/main" val="233068361"/>
+      </p:ext>
+    </p:extLst>
+  </p:cSld>
+  <p:clrMapOvr>
+    <a:masterClrMapping/>
+  </p:clrMapOvr>
+</p:sld>
+</file>
+
 <file path=ppt/slides/slide2.xml><?xml version="1.0" encoding="utf-8"?>
 <p:sld xmlns:a="http://schemas.openxmlformats.org/drawingml/2006/main" xmlns:r="http://schemas.openxmlformats.org/officeDocument/2006/relationships" xmlns:p="http://schemas.openxmlformats.org/presentationml/2006/main">
   <p:cSld>
@@ -12559,7 +12638,7 @@
           <a:p>
             <a:r>
               <a:rPr lang="en-NZ" dirty="0"/>
-              <a:t>Game 2</a:t>
+              <a:t>Mini Golf:</a:t>
             </a:r>
           </a:p>
         </p:txBody>
@@ -12579,6 +12658,24 @@
           <a:bodyPr/>
           <a:lstStyle/>
           <a:p>
+            <a:r>
+              <a:rPr lang="en-NZ" dirty="0"/>
+              <a:t>2D Platform, side view (side scrolling using view for larger level).</a:t>
+            </a:r>
+          </a:p>
+          <a:p>
+            <a:r>
+              <a:rPr lang="en-NZ" dirty="0"/>
+              <a:t>Most player interaction through mouse (click and drag).</a:t>
+            </a:r>
+          </a:p>
+          <a:p>
+            <a:r>
+              <a:rPr lang="en-NZ" dirty="0"/>
+              <a:t>A lot of  kinematic object world interaction, some position/proximity events</a:t>
+            </a:r>
+          </a:p>
+          <a:p>
             <a:endParaRPr lang="en-NZ" dirty="0"/>
           </a:p>
         </p:txBody>
@@ -12586,7 +12683,7 @@
     </p:spTree>
     <p:extLst>
       <p:ext uri="{BB962C8B-B14F-4D97-AF65-F5344CB8AC3E}">
-        <p14:creationId xmlns:p14="http://schemas.microsoft.com/office/powerpoint/2010/main" val="2750675993"/>
+        <p14:creationId xmlns:p14="http://schemas.microsoft.com/office/powerpoint/2010/main" val="2208684420"/>
       </p:ext>
     </p:extLst>
   </p:cSld>
@@ -12658,6 +12755,475 @@
     <p:extLst>
       <p:ext uri="{BB962C8B-B14F-4D97-AF65-F5344CB8AC3E}">
         <p14:creationId xmlns:p14="http://schemas.microsoft.com/office/powerpoint/2010/main" val="4164881399"/>
+      </p:ext>
+    </p:extLst>
+  </p:cSld>
+  <p:clrMapOvr>
+    <a:masterClrMapping/>
+  </p:clrMapOvr>
+</p:sld>
+</file>
+
+<file path=ppt/slides/slide5.xml><?xml version="1.0" encoding="utf-8"?>
+<p:sld xmlns:a="http://schemas.openxmlformats.org/drawingml/2006/main" xmlns:r="http://schemas.openxmlformats.org/officeDocument/2006/relationships" xmlns:p="http://schemas.openxmlformats.org/presentationml/2006/main">
+  <p:cSld>
+    <p:spTree>
+      <p:nvGrpSpPr>
+        <p:cNvPr id="1" name=""/>
+        <p:cNvGrpSpPr/>
+        <p:nvPr/>
+      </p:nvGrpSpPr>
+      <p:grpSpPr>
+        <a:xfrm>
+          <a:off x="0" y="0"/>
+          <a:ext cx="0" cy="0"/>
+          <a:chOff x="0" y="0"/>
+          <a:chExt cx="0" cy="0"/>
+        </a:xfrm>
+      </p:grpSpPr>
+      <p:sp>
+        <p:nvSpPr>
+          <p:cNvPr id="2" name="Title 1"/>
+          <p:cNvSpPr>
+            <a:spLocks noGrp="1"/>
+          </p:cNvSpPr>
+          <p:nvPr>
+            <p:ph type="title"/>
+          </p:nvPr>
+        </p:nvSpPr>
+        <p:spPr/>
+        <p:txBody>
+          <a:bodyPr/>
+          <a:lstStyle/>
+          <a:p>
+            <a:r>
+              <a:rPr lang="en-NZ" dirty="0"/>
+              <a:t>Game 2</a:t>
+            </a:r>
+          </a:p>
+        </p:txBody>
+      </p:sp>
+      <p:sp>
+        <p:nvSpPr>
+          <p:cNvPr id="3" name="Content Placeholder 2"/>
+          <p:cNvSpPr>
+            <a:spLocks noGrp="1"/>
+          </p:cNvSpPr>
+          <p:nvPr>
+            <p:ph idx="1"/>
+          </p:nvPr>
+        </p:nvSpPr>
+        <p:spPr/>
+        <p:txBody>
+          <a:bodyPr/>
+          <a:lstStyle/>
+          <a:p>
+            <a:r>
+              <a:rPr lang="en-NZ" dirty="0"/>
+              <a:t>Wave based, last stand, side-on platformer.</a:t>
+            </a:r>
+          </a:p>
+          <a:p>
+            <a:r>
+              <a:rPr lang="en-NZ" dirty="0"/>
+              <a:t>One Finger Death Punch / </a:t>
+            </a:r>
+            <a:r>
+              <a:rPr lang="en-NZ" dirty="0" err="1"/>
+              <a:t>Towerfall</a:t>
+            </a:r>
+            <a:r>
+              <a:rPr lang="en-NZ" dirty="0"/>
+              <a:t> Ascension</a:t>
+            </a:r>
+          </a:p>
+          <a:p>
+            <a:r>
+              <a:rPr lang="en-NZ" dirty="0"/>
+              <a:t>Gun mechanics using b2 shapes with bullet mode enabled</a:t>
+            </a:r>
+          </a:p>
+        </p:txBody>
+      </p:sp>
+    </p:spTree>
+    <p:extLst>
+      <p:ext uri="{BB962C8B-B14F-4D97-AF65-F5344CB8AC3E}">
+        <p14:creationId xmlns:p14="http://schemas.microsoft.com/office/powerpoint/2010/main" val="2750675993"/>
+      </p:ext>
+    </p:extLst>
+  </p:cSld>
+  <p:clrMapOvr>
+    <a:masterClrMapping/>
+  </p:clrMapOvr>
+</p:sld>
+</file>
+
+<file path=ppt/slides/slide6.xml><?xml version="1.0" encoding="utf-8"?>
+<p:sld xmlns:a="http://schemas.openxmlformats.org/drawingml/2006/main" xmlns:r="http://schemas.openxmlformats.org/officeDocument/2006/relationships" xmlns:p="http://schemas.openxmlformats.org/presentationml/2006/main">
+  <p:cSld>
+    <p:spTree>
+      <p:nvGrpSpPr>
+        <p:cNvPr id="1" name=""/>
+        <p:cNvGrpSpPr/>
+        <p:nvPr/>
+      </p:nvGrpSpPr>
+      <p:grpSpPr>
+        <a:xfrm>
+          <a:off x="0" y="0"/>
+          <a:ext cx="0" cy="0"/>
+          <a:chOff x="0" y="0"/>
+          <a:chExt cx="0" cy="0"/>
+        </a:xfrm>
+      </p:grpSpPr>
+      <p:sp>
+        <p:nvSpPr>
+          <p:cNvPr id="2" name="Title 1"/>
+          <p:cNvSpPr>
+            <a:spLocks noGrp="1"/>
+          </p:cNvSpPr>
+          <p:nvPr>
+            <p:ph type="title"/>
+          </p:nvPr>
+        </p:nvSpPr>
+        <p:spPr/>
+        <p:txBody>
+          <a:bodyPr/>
+          <a:lstStyle/>
+          <a:p>
+            <a:r>
+              <a:rPr lang="en-NZ" dirty="0"/>
+              <a:t>Technologies</a:t>
+            </a:r>
+          </a:p>
+        </p:txBody>
+      </p:sp>
+      <p:sp>
+        <p:nvSpPr>
+          <p:cNvPr id="3" name="Content Placeholder 2"/>
+          <p:cNvSpPr>
+            <a:spLocks noGrp="1"/>
+          </p:cNvSpPr>
+          <p:nvPr>
+            <p:ph idx="1"/>
+          </p:nvPr>
+        </p:nvSpPr>
+        <p:spPr/>
+        <p:txBody>
+          <a:bodyPr/>
+          <a:lstStyle/>
+          <a:p>
+            <a:endParaRPr lang="en-NZ"/>
+          </a:p>
+        </p:txBody>
+      </p:sp>
+    </p:spTree>
+    <p:extLst>
+      <p:ext uri="{BB962C8B-B14F-4D97-AF65-F5344CB8AC3E}">
+        <p14:creationId xmlns:p14="http://schemas.microsoft.com/office/powerpoint/2010/main" val="2502288812"/>
+      </p:ext>
+    </p:extLst>
+  </p:cSld>
+  <p:clrMapOvr>
+    <a:masterClrMapping/>
+  </p:clrMapOvr>
+</p:sld>
+</file>
+
+<file path=ppt/slides/slide7.xml><?xml version="1.0" encoding="utf-8"?>
+<p:sld xmlns:a="http://schemas.openxmlformats.org/drawingml/2006/main" xmlns:r="http://schemas.openxmlformats.org/officeDocument/2006/relationships" xmlns:p="http://schemas.openxmlformats.org/presentationml/2006/main">
+  <p:cSld>
+    <p:spTree>
+      <p:nvGrpSpPr>
+        <p:cNvPr id="1" name=""/>
+        <p:cNvGrpSpPr/>
+        <p:nvPr/>
+      </p:nvGrpSpPr>
+      <p:grpSpPr>
+        <a:xfrm>
+          <a:off x="0" y="0"/>
+          <a:ext cx="0" cy="0"/>
+          <a:chOff x="0" y="0"/>
+          <a:chExt cx="0" cy="0"/>
+        </a:xfrm>
+      </p:grpSpPr>
+      <p:sp>
+        <p:nvSpPr>
+          <p:cNvPr id="2" name="Title 1"/>
+          <p:cNvSpPr>
+            <a:spLocks noGrp="1"/>
+          </p:cNvSpPr>
+          <p:nvPr>
+            <p:ph type="title"/>
+          </p:nvPr>
+        </p:nvSpPr>
+        <p:spPr/>
+        <p:txBody>
+          <a:bodyPr/>
+          <a:lstStyle/>
+          <a:p>
+            <a:r>
+              <a:rPr lang="en-NZ" dirty="0"/>
+              <a:t>Risks</a:t>
+            </a:r>
+          </a:p>
+        </p:txBody>
+      </p:sp>
+      <p:sp>
+        <p:nvSpPr>
+          <p:cNvPr id="3" name="Content Placeholder 2"/>
+          <p:cNvSpPr>
+            <a:spLocks noGrp="1"/>
+          </p:cNvSpPr>
+          <p:nvPr>
+            <p:ph idx="1"/>
+          </p:nvPr>
+        </p:nvSpPr>
+        <p:spPr/>
+        <p:txBody>
+          <a:bodyPr/>
+          <a:lstStyle/>
+          <a:p>
+            <a:r>
+              <a:rPr lang="en-NZ" dirty="0"/>
+              <a:t>Time:</a:t>
+            </a:r>
+          </a:p>
+          <a:p>
+            <a:pPr lvl="1"/>
+            <a:r>
+              <a:rPr lang="en-NZ" dirty="0"/>
+              <a:t>Making the game idea scalable allows for a fully working game to still be achieved in less time.</a:t>
+            </a:r>
+          </a:p>
+          <a:p>
+            <a:pPr lvl="1"/>
+            <a:r>
+              <a:rPr lang="en-NZ" dirty="0"/>
+              <a:t>Creating the tools to develop levels allows for those technologies to be part of the project showcase</a:t>
+            </a:r>
+          </a:p>
+          <a:p>
+            <a:pPr lvl="1"/>
+            <a:endParaRPr lang="en-NZ" dirty="0"/>
+          </a:p>
+        </p:txBody>
+      </p:sp>
+    </p:spTree>
+    <p:extLst>
+      <p:ext uri="{BB962C8B-B14F-4D97-AF65-F5344CB8AC3E}">
+        <p14:creationId xmlns:p14="http://schemas.microsoft.com/office/powerpoint/2010/main" val="808284098"/>
+      </p:ext>
+    </p:extLst>
+  </p:cSld>
+  <p:clrMapOvr>
+    <a:masterClrMapping/>
+  </p:clrMapOvr>
+</p:sld>
+</file>
+
+<file path=ppt/slides/slide8.xml><?xml version="1.0" encoding="utf-8"?>
+<p:sld xmlns:a="http://schemas.openxmlformats.org/drawingml/2006/main" xmlns:r="http://schemas.openxmlformats.org/officeDocument/2006/relationships" xmlns:p="http://schemas.openxmlformats.org/presentationml/2006/main">
+  <p:cSld>
+    <p:spTree>
+      <p:nvGrpSpPr>
+        <p:cNvPr id="1" name=""/>
+        <p:cNvGrpSpPr/>
+        <p:nvPr/>
+      </p:nvGrpSpPr>
+      <p:grpSpPr>
+        <a:xfrm>
+          <a:off x="0" y="0"/>
+          <a:ext cx="0" cy="0"/>
+          <a:chOff x="0" y="0"/>
+          <a:chExt cx="0" cy="0"/>
+        </a:xfrm>
+      </p:grpSpPr>
+      <p:sp>
+        <p:nvSpPr>
+          <p:cNvPr id="2" name="Title 1"/>
+          <p:cNvSpPr>
+            <a:spLocks noGrp="1"/>
+          </p:cNvSpPr>
+          <p:nvPr>
+            <p:ph type="title"/>
+          </p:nvPr>
+        </p:nvSpPr>
+        <p:spPr/>
+        <p:txBody>
+          <a:bodyPr/>
+          <a:lstStyle/>
+          <a:p>
+            <a:r>
+              <a:rPr lang="en-NZ" dirty="0"/>
+              <a:t>Other details:	</a:t>
+            </a:r>
+          </a:p>
+        </p:txBody>
+      </p:sp>
+      <p:sp>
+        <p:nvSpPr>
+          <p:cNvPr id="3" name="Content Placeholder 2"/>
+          <p:cNvSpPr>
+            <a:spLocks noGrp="1"/>
+          </p:cNvSpPr>
+          <p:nvPr>
+            <p:ph idx="1"/>
+          </p:nvPr>
+        </p:nvSpPr>
+        <p:spPr/>
+        <p:txBody>
+          <a:bodyPr/>
+          <a:lstStyle/>
+          <a:p>
+            <a:r>
+              <a:rPr lang="en-NZ" dirty="0"/>
+              <a:t>Timeline: Now – due date.</a:t>
+            </a:r>
+          </a:p>
+          <a:p>
+            <a:r>
+              <a:rPr lang="en-NZ" dirty="0"/>
+              <a:t>Capabilities: Experience in SFML from last semester, basic knowledge of AI</a:t>
+            </a:r>
+          </a:p>
+        </p:txBody>
+      </p:sp>
+    </p:spTree>
+    <p:extLst>
+      <p:ext uri="{BB962C8B-B14F-4D97-AF65-F5344CB8AC3E}">
+        <p14:creationId xmlns:p14="http://schemas.microsoft.com/office/powerpoint/2010/main" val="3236644588"/>
+      </p:ext>
+    </p:extLst>
+  </p:cSld>
+  <p:clrMapOvr>
+    <a:masterClrMapping/>
+  </p:clrMapOvr>
+</p:sld>
+</file>
+
+<file path=ppt/slides/slide9.xml><?xml version="1.0" encoding="utf-8"?>
+<p:sld xmlns:a="http://schemas.openxmlformats.org/drawingml/2006/main" xmlns:r="http://schemas.openxmlformats.org/officeDocument/2006/relationships" xmlns:p="http://schemas.openxmlformats.org/presentationml/2006/main">
+  <p:cSld>
+    <p:spTree>
+      <p:nvGrpSpPr>
+        <p:cNvPr id="1" name=""/>
+        <p:cNvGrpSpPr/>
+        <p:nvPr/>
+      </p:nvGrpSpPr>
+      <p:grpSpPr>
+        <a:xfrm>
+          <a:off x="0" y="0"/>
+          <a:ext cx="0" cy="0"/>
+          <a:chOff x="0" y="0"/>
+          <a:chExt cx="0" cy="0"/>
+        </a:xfrm>
+      </p:grpSpPr>
+      <p:sp>
+        <p:nvSpPr>
+          <p:cNvPr id="2" name="Title 1"/>
+          <p:cNvSpPr>
+            <a:spLocks noGrp="1"/>
+          </p:cNvSpPr>
+          <p:nvPr>
+            <p:ph type="title"/>
+          </p:nvPr>
+        </p:nvSpPr>
+        <p:spPr/>
+        <p:txBody>
+          <a:bodyPr/>
+          <a:lstStyle/>
+          <a:p>
+            <a:r>
+              <a:rPr lang="en-NZ" dirty="0"/>
+              <a:t>Easy vs hard game components</a:t>
+            </a:r>
+          </a:p>
+        </p:txBody>
+      </p:sp>
+      <p:sp>
+        <p:nvSpPr>
+          <p:cNvPr id="3" name="Content Placeholder 2"/>
+          <p:cNvSpPr>
+            <a:spLocks noGrp="1"/>
+          </p:cNvSpPr>
+          <p:nvPr>
+            <p:ph idx="1"/>
+          </p:nvPr>
+        </p:nvSpPr>
+        <p:spPr/>
+        <p:txBody>
+          <a:bodyPr>
+            <a:normAutofit lnSpcReduction="10000"/>
+          </a:bodyPr>
+          <a:lstStyle/>
+          <a:p>
+            <a:r>
+              <a:rPr lang="en-NZ" dirty="0"/>
+              <a:t>Easy:</a:t>
+            </a:r>
+          </a:p>
+          <a:p>
+            <a:pPr lvl="1"/>
+            <a:r>
+              <a:rPr lang="en-NZ" dirty="0"/>
+              <a:t>Drawing </a:t>
+            </a:r>
+            <a:r>
+              <a:rPr lang="en-NZ" dirty="0" err="1"/>
+              <a:t>sfml</a:t>
+            </a:r>
+            <a:r>
+              <a:rPr lang="en-NZ" dirty="0"/>
+              <a:t> shapes based on box2d body shapes.</a:t>
+            </a:r>
+          </a:p>
+          <a:p>
+            <a:pPr lvl="1"/>
+            <a:r>
+              <a:rPr lang="en-NZ" dirty="0"/>
+              <a:t>Automatic symmetrical shape creation</a:t>
+            </a:r>
+          </a:p>
+          <a:p>
+            <a:pPr lvl="1"/>
+            <a:r>
+              <a:rPr lang="en-NZ" dirty="0"/>
+              <a:t>Physics (thanks, box2d)</a:t>
+            </a:r>
+          </a:p>
+          <a:p>
+            <a:r>
+              <a:rPr lang="en-NZ" dirty="0"/>
+              <a:t>Hard:</a:t>
+            </a:r>
+          </a:p>
+          <a:p>
+            <a:pPr lvl="1"/>
+            <a:r>
+              <a:rPr lang="en-NZ" dirty="0"/>
+              <a:t>Creating tools for level design</a:t>
+            </a:r>
+          </a:p>
+          <a:p>
+            <a:pPr lvl="1"/>
+            <a:r>
+              <a:rPr lang="en-NZ" dirty="0"/>
+              <a:t>Saving and loading levels (from file)</a:t>
+            </a:r>
+          </a:p>
+          <a:p>
+            <a:pPr lvl="1"/>
+            <a:r>
+              <a:rPr lang="en-NZ" dirty="0"/>
+              <a:t>AI (other players in mini golf, enemies in zombie wave shooter </a:t>
+            </a:r>
+          </a:p>
+        </p:txBody>
+      </p:sp>
+    </p:spTree>
+    <p:extLst>
+      <p:ext uri="{BB962C8B-B14F-4D97-AF65-F5344CB8AC3E}">
+        <p14:creationId xmlns:p14="http://schemas.microsoft.com/office/powerpoint/2010/main" val="2218710767"/>
       </p:ext>
     </p:extLst>
   </p:cSld>

--- a/resources/Assignment 1 proposal.pptx
+++ b/resources/Assignment 1 proposal.pptx
@@ -7,14 +7,13 @@
   <p:sldIdLst>
     <p:sldId id="256" r:id="rId2"/>
     <p:sldId id="257" r:id="rId3"/>
-    <p:sldId id="261" r:id="rId4"/>
-    <p:sldId id="258" r:id="rId5"/>
+    <p:sldId id="266" r:id="rId4"/>
+    <p:sldId id="261" r:id="rId5"/>
     <p:sldId id="259" r:id="rId6"/>
-    <p:sldId id="260" r:id="rId7"/>
-    <p:sldId id="262" r:id="rId8"/>
-    <p:sldId id="265" r:id="rId9"/>
-    <p:sldId id="263" r:id="rId10"/>
-    <p:sldId id="264" r:id="rId11"/>
+    <p:sldId id="262" r:id="rId7"/>
+    <p:sldId id="265" r:id="rId8"/>
+    <p:sldId id="263" r:id="rId9"/>
+    <p:sldId id="264" r:id="rId10"/>
   </p:sldIdLst>
   <p:sldSz cx="12192000" cy="6858000"/>
   <p:notesSz cx="6858000" cy="9144000"/>
@@ -115,7 +114,7 @@
   </p:defaultTextStyle>
   <p:extLst>
     <p:ext uri="{EFAFB233-063F-42B5-8137-9DF3F51BA10A}">
-      <p15:sldGuideLst xmlns:p15="http://schemas.microsoft.com/office/powerpoint/2012/main"/>
+      <p15:sldGuideLst xmlns:p15="http://schemas.microsoft.com/office/powerpoint/2012/main" xmlns=""/>
     </p:ext>
   </p:extLst>
 </p:presentation>
@@ -177,8 +176,8 @@
           </a:prstGeom>
           <a:noFill/>
           <a:extLst>
-            <a:ext uri="{909E8E84-426E-40dd-AFC4-6F175D3DCCD1}">
-              <a14:hiddenFill xmlns="" xmlns:a14="http://schemas.microsoft.com/office/drawing/2010/main">
+            <a:ext uri="{909E8E84-426E-40DD-AFC4-6F175D3DCCD1}">
+              <a14:hiddenFill xmlns:a14="http://schemas.microsoft.com/office/drawing/2010/main">
                 <a:solidFill>
                   <a:srgbClr val="FFFFFF"/>
                 </a:solidFill>
@@ -236,8 +235,8 @@
               <a:noFill/>
             </a:ln>
             <a:extLst>
-              <a:ext uri="{91240B29-F687-4f45-9708-019B960494DF}">
-                <a14:hiddenLine xmlns="" xmlns:a14="http://schemas.microsoft.com/office/drawing/2010/main" w="9525">
+              <a:ext uri="{91240B29-F687-4F45-9708-019B960494DF}">
+                <a14:hiddenLine xmlns:a14="http://schemas.microsoft.com/office/drawing/2010/main" w="9525">
                   <a:solidFill>
                     <a:srgbClr val="000000"/>
                   </a:solidFill>
@@ -326,8 +325,8 @@
               <a:noFill/>
             </a:ln>
             <a:extLst>
-              <a:ext uri="{91240B29-F687-4f45-9708-019B960494DF}">
-                <a14:hiddenLine xmlns="" xmlns:a14="http://schemas.microsoft.com/office/drawing/2010/main" w="9525">
+              <a:ext uri="{91240B29-F687-4F45-9708-019B960494DF}">
+                <a14:hiddenLine xmlns:a14="http://schemas.microsoft.com/office/drawing/2010/main" w="9525">
                   <a:solidFill>
                     <a:srgbClr val="000000"/>
                   </a:solidFill>
@@ -416,8 +415,8 @@
               <a:noFill/>
             </a:ln>
             <a:extLst>
-              <a:ext uri="{91240B29-F687-4f45-9708-019B960494DF}">
-                <a14:hiddenLine xmlns="" xmlns:a14="http://schemas.microsoft.com/office/drawing/2010/main" w="9525">
+              <a:ext uri="{91240B29-F687-4F45-9708-019B960494DF}">
+                <a14:hiddenLine xmlns:a14="http://schemas.microsoft.com/office/drawing/2010/main" w="9525">
                   <a:solidFill>
                     <a:srgbClr val="000000"/>
                   </a:solidFill>
@@ -450,8 +449,8 @@
               <a:noFill/>
             </a:ln>
             <a:extLst>
-              <a:ext uri="{91240B29-F687-4f45-9708-019B960494DF}">
-                <a14:hiddenLine xmlns="" xmlns:a14="http://schemas.microsoft.com/office/drawing/2010/main" w="9525">
+              <a:ext uri="{91240B29-F687-4F45-9708-019B960494DF}">
+                <a14:hiddenLine xmlns:a14="http://schemas.microsoft.com/office/drawing/2010/main" w="9525">
                   <a:solidFill>
                     <a:srgbClr val="000000"/>
                   </a:solidFill>
@@ -540,8 +539,8 @@
               <a:noFill/>
             </a:ln>
             <a:extLst>
-              <a:ext uri="{91240B29-F687-4f45-9708-019B960494DF}">
-                <a14:hiddenLine xmlns="" xmlns:a14="http://schemas.microsoft.com/office/drawing/2010/main" w="9525">
+              <a:ext uri="{91240B29-F687-4F45-9708-019B960494DF}">
+                <a14:hiddenLine xmlns:a14="http://schemas.microsoft.com/office/drawing/2010/main" w="9525">
                   <a:solidFill>
                     <a:srgbClr val="000000"/>
                   </a:solidFill>
@@ -602,8 +601,8 @@
               <a:noFill/>
             </a:ln>
             <a:extLst>
-              <a:ext uri="{91240B29-F687-4f45-9708-019B960494DF}">
-                <a14:hiddenLine xmlns="" xmlns:a14="http://schemas.microsoft.com/office/drawing/2010/main" w="9525">
+              <a:ext uri="{91240B29-F687-4F45-9708-019B960494DF}">
+                <a14:hiddenLine xmlns:a14="http://schemas.microsoft.com/office/drawing/2010/main" w="9525">
                   <a:solidFill>
                     <a:srgbClr val="000000"/>
                   </a:solidFill>
@@ -664,8 +663,8 @@
               <a:noFill/>
             </a:ln>
             <a:extLst>
-              <a:ext uri="{91240B29-F687-4f45-9708-019B960494DF}">
-                <a14:hiddenLine xmlns="" xmlns:a14="http://schemas.microsoft.com/office/drawing/2010/main" w="9525">
+              <a:ext uri="{91240B29-F687-4F45-9708-019B960494DF}">
+                <a14:hiddenLine xmlns:a14="http://schemas.microsoft.com/office/drawing/2010/main" w="9525">
                   <a:solidFill>
                     <a:srgbClr val="000000"/>
                   </a:solidFill>
@@ -754,8 +753,8 @@
               <a:noFill/>
             </a:ln>
             <a:extLst>
-              <a:ext uri="{91240B29-F687-4f45-9708-019B960494DF}">
-                <a14:hiddenLine xmlns="" xmlns:a14="http://schemas.microsoft.com/office/drawing/2010/main" w="9525">
+              <a:ext uri="{91240B29-F687-4F45-9708-019B960494DF}">
+                <a14:hiddenLine xmlns:a14="http://schemas.microsoft.com/office/drawing/2010/main" w="9525">
                   <a:solidFill>
                     <a:srgbClr val="000000"/>
                   </a:solidFill>
@@ -816,8 +815,8 @@
               <a:noFill/>
             </a:ln>
             <a:extLst>
-              <a:ext uri="{91240B29-F687-4f45-9708-019B960494DF}">
-                <a14:hiddenLine xmlns="" xmlns:a14="http://schemas.microsoft.com/office/drawing/2010/main" w="9525">
+              <a:ext uri="{91240B29-F687-4F45-9708-019B960494DF}">
+                <a14:hiddenLine xmlns:a14="http://schemas.microsoft.com/office/drawing/2010/main" w="9525">
                   <a:solidFill>
                     <a:srgbClr val="000000"/>
                   </a:solidFill>
@@ -878,8 +877,8 @@
               <a:noFill/>
             </a:ln>
             <a:extLst>
-              <a:ext uri="{91240B29-F687-4f45-9708-019B960494DF}">
-                <a14:hiddenLine xmlns="" xmlns:a14="http://schemas.microsoft.com/office/drawing/2010/main" w="9525">
+              <a:ext uri="{91240B29-F687-4F45-9708-019B960494DF}">
+                <a14:hiddenLine xmlns:a14="http://schemas.microsoft.com/office/drawing/2010/main" w="9525">
                   <a:solidFill>
                     <a:srgbClr val="000000"/>
                   </a:solidFill>
@@ -968,8 +967,8 @@
               <a:noFill/>
             </a:ln>
             <a:extLst>
-              <a:ext uri="{91240B29-F687-4f45-9708-019B960494DF}">
-                <a14:hiddenLine xmlns="" xmlns:a14="http://schemas.microsoft.com/office/drawing/2010/main" w="9525">
+              <a:ext uri="{91240B29-F687-4F45-9708-019B960494DF}">
+                <a14:hiddenLine xmlns:a14="http://schemas.microsoft.com/office/drawing/2010/main" w="9525">
                   <a:solidFill>
                     <a:srgbClr val="000000"/>
                   </a:solidFill>
@@ -1058,8 +1057,8 @@
               <a:noFill/>
             </a:ln>
             <a:extLst>
-              <a:ext uri="{91240B29-F687-4f45-9708-019B960494DF}">
-                <a14:hiddenLine xmlns="" xmlns:a14="http://schemas.microsoft.com/office/drawing/2010/main" w="9525">
+              <a:ext uri="{91240B29-F687-4F45-9708-019B960494DF}">
+                <a14:hiddenLine xmlns:a14="http://schemas.microsoft.com/office/drawing/2010/main" w="9525">
                   <a:solidFill>
                     <a:srgbClr val="000000"/>
                   </a:solidFill>
@@ -1120,8 +1119,8 @@
               <a:noFill/>
             </a:ln>
             <a:extLst>
-              <a:ext uri="{91240B29-F687-4f45-9708-019B960494DF}">
-                <a14:hiddenLine xmlns="" xmlns:a14="http://schemas.microsoft.com/office/drawing/2010/main" w="9525">
+              <a:ext uri="{91240B29-F687-4F45-9708-019B960494DF}">
+                <a14:hiddenLine xmlns:a14="http://schemas.microsoft.com/office/drawing/2010/main" w="9525">
                   <a:solidFill>
                     <a:srgbClr val="000000"/>
                   </a:solidFill>
@@ -1230,8 +1229,8 @@
               <a:noFill/>
             </a:ln>
             <a:extLst>
-              <a:ext uri="{91240B29-F687-4f45-9708-019B960494DF}">
-                <a14:hiddenLine xmlns="" xmlns:a14="http://schemas.microsoft.com/office/drawing/2010/main" w="9525">
+              <a:ext uri="{91240B29-F687-4F45-9708-019B960494DF}">
+                <a14:hiddenLine xmlns:a14="http://schemas.microsoft.com/office/drawing/2010/main" w="9525">
                   <a:solidFill>
                     <a:srgbClr val="000000"/>
                   </a:solidFill>
@@ -1292,8 +1291,8 @@
               <a:noFill/>
             </a:ln>
             <a:extLst>
-              <a:ext uri="{91240B29-F687-4f45-9708-019B960494DF}">
-                <a14:hiddenLine xmlns="" xmlns:a14="http://schemas.microsoft.com/office/drawing/2010/main" w="9525">
+              <a:ext uri="{91240B29-F687-4F45-9708-019B960494DF}">
+                <a14:hiddenLine xmlns:a14="http://schemas.microsoft.com/office/drawing/2010/main" w="9525">
                   <a:solidFill>
                     <a:srgbClr val="000000"/>
                   </a:solidFill>
@@ -1382,8 +1381,8 @@
               <a:noFill/>
             </a:ln>
             <a:extLst>
-              <a:ext uri="{91240B29-F687-4f45-9708-019B960494DF}">
-                <a14:hiddenLine xmlns="" xmlns:a14="http://schemas.microsoft.com/office/drawing/2010/main" w="9525">
+              <a:ext uri="{91240B29-F687-4F45-9708-019B960494DF}">
+                <a14:hiddenLine xmlns:a14="http://schemas.microsoft.com/office/drawing/2010/main" w="9525">
                   <a:solidFill>
                     <a:srgbClr val="000000"/>
                   </a:solidFill>
@@ -1472,8 +1471,8 @@
               <a:noFill/>
             </a:ln>
             <a:extLst>
-              <a:ext uri="{91240B29-F687-4f45-9708-019B960494DF}">
-                <a14:hiddenLine xmlns="" xmlns:a14="http://schemas.microsoft.com/office/drawing/2010/main" w="9525">
+              <a:ext uri="{91240B29-F687-4F45-9708-019B960494DF}">
+                <a14:hiddenLine xmlns:a14="http://schemas.microsoft.com/office/drawing/2010/main" w="9525">
                   <a:solidFill>
                     <a:srgbClr val="000000"/>
                   </a:solidFill>
@@ -1534,8 +1533,8 @@
               <a:noFill/>
             </a:ln>
             <a:extLst>
-              <a:ext uri="{91240B29-F687-4f45-9708-019B960494DF}">
-                <a14:hiddenLine xmlns="" xmlns:a14="http://schemas.microsoft.com/office/drawing/2010/main" w="9525">
+              <a:ext uri="{91240B29-F687-4F45-9708-019B960494DF}">
+                <a14:hiddenLine xmlns:a14="http://schemas.microsoft.com/office/drawing/2010/main" w="9525">
                   <a:solidFill>
                     <a:srgbClr val="000000"/>
                   </a:solidFill>
@@ -1624,8 +1623,8 @@
               <a:noFill/>
             </a:ln>
             <a:extLst>
-              <a:ext uri="{91240B29-F687-4f45-9708-019B960494DF}">
-                <a14:hiddenLine xmlns="" xmlns:a14="http://schemas.microsoft.com/office/drawing/2010/main" w="9525">
+              <a:ext uri="{91240B29-F687-4F45-9708-019B960494DF}">
+                <a14:hiddenLine xmlns:a14="http://schemas.microsoft.com/office/drawing/2010/main" w="9525">
                   <a:solidFill>
                     <a:srgbClr val="000000"/>
                   </a:solidFill>
@@ -1714,8 +1713,8 @@
               <a:noFill/>
             </a:ln>
             <a:extLst>
-              <a:ext uri="{91240B29-F687-4f45-9708-019B960494DF}">
-                <a14:hiddenLine xmlns="" xmlns:a14="http://schemas.microsoft.com/office/drawing/2010/main" w="9525">
+              <a:ext uri="{91240B29-F687-4F45-9708-019B960494DF}">
+                <a14:hiddenLine xmlns:a14="http://schemas.microsoft.com/office/drawing/2010/main" w="9525">
                   <a:solidFill>
                     <a:srgbClr val="000000"/>
                   </a:solidFill>
@@ -1770,8 +1769,8 @@
               <a:noFill/>
             </a:ln>
             <a:extLst>
-              <a:ext uri="{91240B29-F687-4f45-9708-019B960494DF}">
-                <a14:hiddenLine xmlns="" xmlns:a14="http://schemas.microsoft.com/office/drawing/2010/main" w="9525">
+              <a:ext uri="{91240B29-F687-4F45-9708-019B960494DF}">
+                <a14:hiddenLine xmlns:a14="http://schemas.microsoft.com/office/drawing/2010/main" w="9525">
                   <a:solidFill>
                     <a:srgbClr val="000000"/>
                   </a:solidFill>
@@ -1860,8 +1859,8 @@
               <a:noFill/>
             </a:ln>
             <a:extLst>
-              <a:ext uri="{91240B29-F687-4f45-9708-019B960494DF}">
-                <a14:hiddenLine xmlns="" xmlns:a14="http://schemas.microsoft.com/office/drawing/2010/main" w="9525">
+              <a:ext uri="{91240B29-F687-4F45-9708-019B960494DF}">
+                <a14:hiddenLine xmlns:a14="http://schemas.microsoft.com/office/drawing/2010/main" w="9525">
                   <a:solidFill>
                     <a:srgbClr val="000000"/>
                   </a:solidFill>
@@ -1916,8 +1915,8 @@
               <a:noFill/>
             </a:ln>
             <a:extLst>
-              <a:ext uri="{91240B29-F687-4f45-9708-019B960494DF}">
-                <a14:hiddenLine xmlns="" xmlns:a14="http://schemas.microsoft.com/office/drawing/2010/main" w="9525">
+              <a:ext uri="{91240B29-F687-4F45-9708-019B960494DF}">
+                <a14:hiddenLine xmlns:a14="http://schemas.microsoft.com/office/drawing/2010/main" w="9525">
                   <a:solidFill>
                     <a:srgbClr val="000000"/>
                   </a:solidFill>
@@ -2006,8 +2005,8 @@
               <a:noFill/>
             </a:ln>
             <a:extLst>
-              <a:ext uri="{91240B29-F687-4f45-9708-019B960494DF}">
-                <a14:hiddenLine xmlns="" xmlns:a14="http://schemas.microsoft.com/office/drawing/2010/main" w="9525">
+              <a:ext uri="{91240B29-F687-4F45-9708-019B960494DF}">
+                <a14:hiddenLine xmlns:a14="http://schemas.microsoft.com/office/drawing/2010/main" w="9525">
                   <a:solidFill>
                     <a:srgbClr val="000000"/>
                   </a:solidFill>
@@ -2074,8 +2073,8 @@
               <a:noFill/>
             </a:ln>
             <a:extLst>
-              <a:ext uri="{91240B29-F687-4f45-9708-019B960494DF}">
-                <a14:hiddenLine xmlns="" xmlns:a14="http://schemas.microsoft.com/office/drawing/2010/main" w="9525">
+              <a:ext uri="{91240B29-F687-4F45-9708-019B960494DF}">
+                <a14:hiddenLine xmlns:a14="http://schemas.microsoft.com/office/drawing/2010/main" w="9525">
                   <a:solidFill>
                     <a:srgbClr val="000000"/>
                   </a:solidFill>
@@ -2164,8 +2163,8 @@
               <a:noFill/>
             </a:ln>
             <a:extLst>
-              <a:ext uri="{91240B29-F687-4f45-9708-019B960494DF}">
-                <a14:hiddenLine xmlns="" xmlns:a14="http://schemas.microsoft.com/office/drawing/2010/main" w="9525">
+              <a:ext uri="{91240B29-F687-4F45-9708-019B960494DF}">
+                <a14:hiddenLine xmlns:a14="http://schemas.microsoft.com/office/drawing/2010/main" w="9525">
                   <a:solidFill>
                     <a:srgbClr val="000000"/>
                   </a:solidFill>
@@ -2232,8 +2231,8 @@
               <a:noFill/>
             </a:ln>
             <a:extLst>
-              <a:ext uri="{91240B29-F687-4f45-9708-019B960494DF}">
-                <a14:hiddenLine xmlns="" xmlns:a14="http://schemas.microsoft.com/office/drawing/2010/main" w="9525">
+              <a:ext uri="{91240B29-F687-4F45-9708-019B960494DF}">
+                <a14:hiddenLine xmlns:a14="http://schemas.microsoft.com/office/drawing/2010/main" w="9525">
                   <a:solidFill>
                     <a:srgbClr val="000000"/>
                   </a:solidFill>
@@ -2322,8 +2321,8 @@
               <a:noFill/>
             </a:ln>
             <a:extLst>
-              <a:ext uri="{91240B29-F687-4f45-9708-019B960494DF}">
-                <a14:hiddenLine xmlns="" xmlns:a14="http://schemas.microsoft.com/office/drawing/2010/main" w="9525">
+              <a:ext uri="{91240B29-F687-4F45-9708-019B960494DF}">
+                <a14:hiddenLine xmlns:a14="http://schemas.microsoft.com/office/drawing/2010/main" w="9525">
                   <a:solidFill>
                     <a:srgbClr val="000000"/>
                   </a:solidFill>
@@ -2356,8 +2355,8 @@
               <a:noFill/>
             </a:ln>
             <a:extLst>
-              <a:ext uri="{91240B29-F687-4f45-9708-019B960494DF}">
-                <a14:hiddenLine xmlns="" xmlns:a14="http://schemas.microsoft.com/office/drawing/2010/main" w="9525">
+              <a:ext uri="{91240B29-F687-4F45-9708-019B960494DF}">
+                <a14:hiddenLine xmlns:a14="http://schemas.microsoft.com/office/drawing/2010/main" w="9525">
                   <a:solidFill>
                     <a:srgbClr val="000000"/>
                   </a:solidFill>
@@ -2446,8 +2445,8 @@
               <a:noFill/>
             </a:ln>
             <a:extLst>
-              <a:ext uri="{91240B29-F687-4f45-9708-019B960494DF}">
-                <a14:hiddenLine xmlns="" xmlns:a14="http://schemas.microsoft.com/office/drawing/2010/main" w="9525">
+              <a:ext uri="{91240B29-F687-4F45-9708-019B960494DF}">
+                <a14:hiddenLine xmlns:a14="http://schemas.microsoft.com/office/drawing/2010/main" w="9525">
                   <a:solidFill>
                     <a:srgbClr val="000000"/>
                   </a:solidFill>
@@ -2508,8 +2507,8 @@
               <a:noFill/>
             </a:ln>
             <a:extLst>
-              <a:ext uri="{91240B29-F687-4f45-9708-019B960494DF}">
-                <a14:hiddenLine xmlns="" xmlns:a14="http://schemas.microsoft.com/office/drawing/2010/main" w="9525">
+              <a:ext uri="{91240B29-F687-4F45-9708-019B960494DF}">
+                <a14:hiddenLine xmlns:a14="http://schemas.microsoft.com/office/drawing/2010/main" w="9525">
                   <a:solidFill>
                     <a:srgbClr val="000000"/>
                   </a:solidFill>
@@ -2570,8 +2569,8 @@
               <a:noFill/>
             </a:ln>
             <a:extLst>
-              <a:ext uri="{91240B29-F687-4f45-9708-019B960494DF}">
-                <a14:hiddenLine xmlns="" xmlns:a14="http://schemas.microsoft.com/office/drawing/2010/main" w="9525">
+              <a:ext uri="{91240B29-F687-4F45-9708-019B960494DF}">
+                <a14:hiddenLine xmlns:a14="http://schemas.microsoft.com/office/drawing/2010/main" w="9525">
                   <a:solidFill>
                     <a:srgbClr val="000000"/>
                   </a:solidFill>
@@ -2660,8 +2659,8 @@
               <a:noFill/>
             </a:ln>
             <a:extLst>
-              <a:ext uri="{91240B29-F687-4f45-9708-019B960494DF}">
-                <a14:hiddenLine xmlns="" xmlns:a14="http://schemas.microsoft.com/office/drawing/2010/main" w="9525">
+              <a:ext uri="{91240B29-F687-4F45-9708-019B960494DF}">
+                <a14:hiddenLine xmlns:a14="http://schemas.microsoft.com/office/drawing/2010/main" w="9525">
                   <a:solidFill>
                     <a:srgbClr val="000000"/>
                   </a:solidFill>
@@ -2728,8 +2727,8 @@
               <a:noFill/>
             </a:ln>
             <a:extLst>
-              <a:ext uri="{91240B29-F687-4f45-9708-019B960494DF}">
-                <a14:hiddenLine xmlns="" xmlns:a14="http://schemas.microsoft.com/office/drawing/2010/main" w="9525">
+              <a:ext uri="{91240B29-F687-4F45-9708-019B960494DF}">
+                <a14:hiddenLine xmlns:a14="http://schemas.microsoft.com/office/drawing/2010/main" w="9525">
                   <a:solidFill>
                     <a:srgbClr val="000000"/>
                   </a:solidFill>
@@ -2790,8 +2789,8 @@
               <a:noFill/>
             </a:ln>
             <a:extLst>
-              <a:ext uri="{91240B29-F687-4f45-9708-019B960494DF}">
-                <a14:hiddenLine xmlns="" xmlns:a14="http://schemas.microsoft.com/office/drawing/2010/main" w="9525">
+              <a:ext uri="{91240B29-F687-4F45-9708-019B960494DF}">
+                <a14:hiddenLine xmlns:a14="http://schemas.microsoft.com/office/drawing/2010/main" w="9525">
                   <a:solidFill>
                     <a:srgbClr val="000000"/>
                   </a:solidFill>
@@ -2880,8 +2879,8 @@
               <a:noFill/>
             </a:ln>
             <a:extLst>
-              <a:ext uri="{91240B29-F687-4f45-9708-019B960494DF}">
-                <a14:hiddenLine xmlns="" xmlns:a14="http://schemas.microsoft.com/office/drawing/2010/main" w="9525">
+              <a:ext uri="{91240B29-F687-4F45-9708-019B960494DF}">
+                <a14:hiddenLine xmlns:a14="http://schemas.microsoft.com/office/drawing/2010/main" w="9525">
                   <a:solidFill>
                     <a:srgbClr val="000000"/>
                   </a:solidFill>
@@ -2942,8 +2941,8 @@
               <a:noFill/>
             </a:ln>
             <a:extLst>
-              <a:ext uri="{91240B29-F687-4f45-9708-019B960494DF}">
-                <a14:hiddenLine xmlns="" xmlns:a14="http://schemas.microsoft.com/office/drawing/2010/main" w="9525">
+              <a:ext uri="{91240B29-F687-4F45-9708-019B960494DF}">
+                <a14:hiddenLine xmlns:a14="http://schemas.microsoft.com/office/drawing/2010/main" w="9525">
                   <a:solidFill>
                     <a:srgbClr val="000000"/>
                   </a:solidFill>
@@ -3032,8 +3031,8 @@
               <a:noFill/>
             </a:ln>
             <a:extLst>
-              <a:ext uri="{91240B29-F687-4f45-9708-019B960494DF}">
-                <a14:hiddenLine xmlns="" xmlns:a14="http://schemas.microsoft.com/office/drawing/2010/main" w="9525">
+              <a:ext uri="{91240B29-F687-4F45-9708-019B960494DF}">
+                <a14:hiddenLine xmlns:a14="http://schemas.microsoft.com/office/drawing/2010/main" w="9525">
                   <a:solidFill>
                     <a:srgbClr val="000000"/>
                   </a:solidFill>
@@ -3094,8 +3093,8 @@
               <a:noFill/>
             </a:ln>
             <a:extLst>
-              <a:ext uri="{91240B29-F687-4f45-9708-019B960494DF}">
-                <a14:hiddenLine xmlns="" xmlns:a14="http://schemas.microsoft.com/office/drawing/2010/main" w="9525">
+              <a:ext uri="{91240B29-F687-4F45-9708-019B960494DF}">
+                <a14:hiddenLine xmlns:a14="http://schemas.microsoft.com/office/drawing/2010/main" w="9525">
                   <a:solidFill>
                     <a:srgbClr val="000000"/>
                   </a:solidFill>
@@ -3184,8 +3183,8 @@
               <a:noFill/>
             </a:ln>
             <a:extLst>
-              <a:ext uri="{91240B29-F687-4f45-9708-019B960494DF}">
-                <a14:hiddenLine xmlns="" xmlns:a14="http://schemas.microsoft.com/office/drawing/2010/main" w="9525">
+              <a:ext uri="{91240B29-F687-4F45-9708-019B960494DF}">
+                <a14:hiddenLine xmlns:a14="http://schemas.microsoft.com/office/drawing/2010/main" w="9525">
                   <a:solidFill>
                     <a:srgbClr val="000000"/>
                   </a:solidFill>
@@ -3218,8 +3217,8 @@
               <a:noFill/>
             </a:ln>
             <a:extLst>
-              <a:ext uri="{91240B29-F687-4f45-9708-019B960494DF}">
-                <a14:hiddenLine xmlns="" xmlns:a14="http://schemas.microsoft.com/office/drawing/2010/main" w="9525">
+              <a:ext uri="{91240B29-F687-4F45-9708-019B960494DF}">
+                <a14:hiddenLine xmlns:a14="http://schemas.microsoft.com/office/drawing/2010/main" w="9525">
                   <a:solidFill>
                     <a:srgbClr val="000000"/>
                   </a:solidFill>
@@ -3283,8 +3282,8 @@
               <a:noFill/>
             </a:ln>
             <a:extLst>
-              <a:ext uri="{91240B29-F687-4f45-9708-019B960494DF}">
-                <a14:hiddenLine xmlns="" xmlns:a14="http://schemas.microsoft.com/office/drawing/2010/main" w="9525">
+              <a:ext uri="{91240B29-F687-4F45-9708-019B960494DF}">
+                <a14:hiddenLine xmlns:a14="http://schemas.microsoft.com/office/drawing/2010/main" w="9525">
                   <a:solidFill>
                     <a:srgbClr val="000000"/>
                   </a:solidFill>
@@ -3373,8 +3372,8 @@
               <a:noFill/>
             </a:ln>
             <a:extLst>
-              <a:ext uri="{91240B29-F687-4f45-9708-019B960494DF}">
-                <a14:hiddenLine xmlns="" xmlns:a14="http://schemas.microsoft.com/office/drawing/2010/main" w="9525">
+              <a:ext uri="{91240B29-F687-4F45-9708-019B960494DF}">
+                <a14:hiddenLine xmlns:a14="http://schemas.microsoft.com/office/drawing/2010/main" w="9525">
                   <a:solidFill>
                     <a:srgbClr val="000000"/>
                   </a:solidFill>
@@ -3435,8 +3434,8 @@
               <a:noFill/>
             </a:ln>
             <a:extLst>
-              <a:ext uri="{91240B29-F687-4f45-9708-019B960494DF}">
-                <a14:hiddenLine xmlns="" xmlns:a14="http://schemas.microsoft.com/office/drawing/2010/main" w="9525">
+              <a:ext uri="{91240B29-F687-4F45-9708-019B960494DF}">
+                <a14:hiddenLine xmlns:a14="http://schemas.microsoft.com/office/drawing/2010/main" w="9525">
                   <a:solidFill>
                     <a:srgbClr val="000000"/>
                   </a:solidFill>
@@ -3525,8 +3524,8 @@
               <a:noFill/>
             </a:ln>
             <a:extLst>
-              <a:ext uri="{91240B29-F687-4f45-9708-019B960494DF}">
-                <a14:hiddenLine xmlns="" xmlns:a14="http://schemas.microsoft.com/office/drawing/2010/main" w="9525">
+              <a:ext uri="{91240B29-F687-4F45-9708-019B960494DF}">
+                <a14:hiddenLine xmlns:a14="http://schemas.microsoft.com/office/drawing/2010/main" w="9525">
                   <a:solidFill>
                     <a:srgbClr val="000000"/>
                   </a:solidFill>
@@ -3615,8 +3614,8 @@
               <a:noFill/>
             </a:ln>
             <a:extLst>
-              <a:ext uri="{91240B29-F687-4f45-9708-019B960494DF}">
-                <a14:hiddenLine xmlns="" xmlns:a14="http://schemas.microsoft.com/office/drawing/2010/main" w="9525">
+              <a:ext uri="{91240B29-F687-4F45-9708-019B960494DF}">
+                <a14:hiddenLine xmlns:a14="http://schemas.microsoft.com/office/drawing/2010/main" w="9525">
                   <a:solidFill>
                     <a:srgbClr val="000000"/>
                   </a:solidFill>
@@ -3680,8 +3679,8 @@
               <a:noFill/>
             </a:ln>
             <a:extLst>
-              <a:ext uri="{91240B29-F687-4f45-9708-019B960494DF}">
-                <a14:hiddenLine xmlns="" xmlns:a14="http://schemas.microsoft.com/office/drawing/2010/main" w="9525">
+              <a:ext uri="{91240B29-F687-4F45-9708-019B960494DF}">
+                <a14:hiddenLine xmlns:a14="http://schemas.microsoft.com/office/drawing/2010/main" w="9525">
                   <a:solidFill>
                     <a:srgbClr val="000000"/>
                   </a:solidFill>
@@ -3742,8 +3741,8 @@
               <a:noFill/>
             </a:ln>
             <a:extLst>
-              <a:ext uri="{91240B29-F687-4f45-9708-019B960494DF}">
-                <a14:hiddenLine xmlns="" xmlns:a14="http://schemas.microsoft.com/office/drawing/2010/main" w="9525">
+              <a:ext uri="{91240B29-F687-4F45-9708-019B960494DF}">
+                <a14:hiddenLine xmlns:a14="http://schemas.microsoft.com/office/drawing/2010/main" w="9525">
                   <a:solidFill>
                     <a:srgbClr val="000000"/>
                   </a:solidFill>
@@ -3832,8 +3831,8 @@
               <a:noFill/>
             </a:ln>
             <a:extLst>
-              <a:ext uri="{91240B29-F687-4f45-9708-019B960494DF}">
-                <a14:hiddenLine xmlns="" xmlns:a14="http://schemas.microsoft.com/office/drawing/2010/main" w="9525">
+              <a:ext uri="{91240B29-F687-4F45-9708-019B960494DF}">
+                <a14:hiddenLine xmlns:a14="http://schemas.microsoft.com/office/drawing/2010/main" w="9525">
                   <a:solidFill>
                     <a:srgbClr val="000000"/>
                   </a:solidFill>
@@ -3922,8 +3921,8 @@
               <a:noFill/>
             </a:ln>
             <a:extLst>
-              <a:ext uri="{91240B29-F687-4f45-9708-019B960494DF}">
-                <a14:hiddenLine xmlns="" xmlns:a14="http://schemas.microsoft.com/office/drawing/2010/main" w="9525">
+              <a:ext uri="{91240B29-F687-4F45-9708-019B960494DF}">
+                <a14:hiddenLine xmlns:a14="http://schemas.microsoft.com/office/drawing/2010/main" w="9525">
                   <a:solidFill>
                     <a:srgbClr val="000000"/>
                   </a:solidFill>
@@ -3984,8 +3983,8 @@
               <a:noFill/>
             </a:ln>
             <a:extLst>
-              <a:ext uri="{91240B29-F687-4f45-9708-019B960494DF}">
-                <a14:hiddenLine xmlns="" xmlns:a14="http://schemas.microsoft.com/office/drawing/2010/main" w="9525">
+              <a:ext uri="{91240B29-F687-4F45-9708-019B960494DF}">
+                <a14:hiddenLine xmlns:a14="http://schemas.microsoft.com/office/drawing/2010/main" w="9525">
                   <a:solidFill>
                     <a:srgbClr val="000000"/>
                   </a:solidFill>
@@ -4104,8 +4103,8 @@
               <a:noFill/>
             </a:ln>
             <a:extLst>
-              <a:ext uri="{91240B29-F687-4f45-9708-019B960494DF}">
-                <a14:hiddenLine xmlns="" xmlns:a14="http://schemas.microsoft.com/office/drawing/2010/main" w="9525">
+              <a:ext uri="{91240B29-F687-4F45-9708-019B960494DF}">
+                <a14:hiddenLine xmlns:a14="http://schemas.microsoft.com/office/drawing/2010/main" w="9525">
                   <a:solidFill>
                     <a:srgbClr val="000000"/>
                   </a:solidFill>
@@ -4172,8 +4171,8 @@
               <a:noFill/>
             </a:ln>
             <a:extLst>
-              <a:ext uri="{91240B29-F687-4f45-9708-019B960494DF}">
-                <a14:hiddenLine xmlns="" xmlns:a14="http://schemas.microsoft.com/office/drawing/2010/main" w="9525">
+              <a:ext uri="{91240B29-F687-4F45-9708-019B960494DF}">
+                <a14:hiddenLine xmlns:a14="http://schemas.microsoft.com/office/drawing/2010/main" w="9525">
                   <a:solidFill>
                     <a:srgbClr val="000000"/>
                   </a:solidFill>
@@ -4262,8 +4261,8 @@
               <a:noFill/>
             </a:ln>
             <a:extLst>
-              <a:ext uri="{91240B29-F687-4f45-9708-019B960494DF}">
-                <a14:hiddenLine xmlns="" xmlns:a14="http://schemas.microsoft.com/office/drawing/2010/main" w="9525">
+              <a:ext uri="{91240B29-F687-4F45-9708-019B960494DF}">
+                <a14:hiddenLine xmlns:a14="http://schemas.microsoft.com/office/drawing/2010/main" w="9525">
                   <a:solidFill>
                     <a:srgbClr val="000000"/>
                   </a:solidFill>
@@ -4403,7 +4402,7 @@
           <a:p>
             <a:fld id="{48A87A34-81AB-432B-8DAE-1953F412C126}" type="datetimeFigureOut">
               <a:rPr lang="en-US" dirty="0"/>
-              <a:t>3/30/2017</a:t>
+              <a:t>3/31/2017</a:t>
             </a:fld>
             <a:endParaRPr lang="en-US" dirty="0"/>
           </a:p>
@@ -4665,7 +4664,7 @@
           <a:p>
             <a:fld id="{48A87A34-81AB-432B-8DAE-1953F412C126}" type="datetimeFigureOut">
               <a:rPr lang="en-US" dirty="0"/>
-              <a:t>3/30/2017</a:t>
+              <a:t>3/31/2017</a:t>
             </a:fld>
             <a:endParaRPr lang="en-US" dirty="0"/>
           </a:p>
@@ -4856,7 +4855,7 @@
           <a:p>
             <a:fld id="{48A87A34-81AB-432B-8DAE-1953F412C126}" type="datetimeFigureOut">
               <a:rPr lang="en-US" dirty="0"/>
-              <a:t>3/30/2017</a:t>
+              <a:t>3/31/2017</a:t>
             </a:fld>
             <a:endParaRPr lang="en-US" dirty="0"/>
           </a:p>
@@ -5114,7 +5113,7 @@
           <a:p>
             <a:fld id="{48A87A34-81AB-432B-8DAE-1953F412C126}" type="datetimeFigureOut">
               <a:rPr lang="en-US" dirty="0"/>
-              <a:t>3/30/2017</a:t>
+              <a:t>3/31/2017</a:t>
             </a:fld>
             <a:endParaRPr lang="en-US" dirty="0"/>
           </a:p>
@@ -5543,7 +5542,7 @@
           <a:p>
             <a:fld id="{48A87A34-81AB-432B-8DAE-1953F412C126}" type="datetimeFigureOut">
               <a:rPr lang="en-US" dirty="0"/>
-              <a:t>3/30/2017</a:t>
+              <a:t>3/31/2017</a:t>
             </a:fld>
             <a:endParaRPr lang="en-US" dirty="0"/>
           </a:p>
@@ -6084,7 +6083,7 @@
           <a:p>
             <a:fld id="{48A87A34-81AB-432B-8DAE-1953F412C126}" type="datetimeFigureOut">
               <a:rPr lang="en-US" dirty="0"/>
-              <a:t>3/30/2017</a:t>
+              <a:t>3/31/2017</a:t>
             </a:fld>
             <a:endParaRPr lang="en-US" dirty="0"/>
           </a:p>
@@ -6799,7 +6798,7 @@
           <a:p>
             <a:fld id="{48A87A34-81AB-432B-8DAE-1953F412C126}" type="datetimeFigureOut">
               <a:rPr lang="en-US" dirty="0"/>
-              <a:t>3/30/2017</a:t>
+              <a:t>3/31/2017</a:t>
             </a:fld>
             <a:endParaRPr lang="en-US" dirty="0"/>
           </a:p>
@@ -6964,7 +6963,7 @@
           <a:p>
             <a:fld id="{48A87A34-81AB-432B-8DAE-1953F412C126}" type="datetimeFigureOut">
               <a:rPr lang="en-US" dirty="0"/>
-              <a:t>3/30/2017</a:t>
+              <a:t>3/31/2017</a:t>
             </a:fld>
             <a:endParaRPr lang="en-US" dirty="0"/>
           </a:p>
@@ -7139,7 +7138,7 @@
           <a:p>
             <a:fld id="{48A87A34-81AB-432B-8DAE-1953F412C126}" type="datetimeFigureOut">
               <a:rPr lang="en-US" dirty="0"/>
-              <a:t>3/30/2017</a:t>
+              <a:t>3/31/2017</a:t>
             </a:fld>
             <a:endParaRPr lang="en-US" dirty="0"/>
           </a:p>
@@ -7304,7 +7303,7 @@
           <a:p>
             <a:fld id="{48A87A34-81AB-432B-8DAE-1953F412C126}" type="datetimeFigureOut">
               <a:rPr lang="en-US" dirty="0"/>
-              <a:t>3/30/2017</a:t>
+              <a:t>3/31/2017</a:t>
             </a:fld>
             <a:endParaRPr lang="en-US" dirty="0"/>
           </a:p>
@@ -7549,7 +7548,7 @@
           <a:p>
             <a:fld id="{48A87A34-81AB-432B-8DAE-1953F412C126}" type="datetimeFigureOut">
               <a:rPr lang="en-US" dirty="0"/>
-              <a:t>3/30/2017</a:t>
+              <a:t>3/31/2017</a:t>
             </a:fld>
             <a:endParaRPr lang="en-US" dirty="0"/>
           </a:p>
@@ -7776,7 +7775,7 @@
           <a:p>
             <a:fld id="{48A87A34-81AB-432B-8DAE-1953F412C126}" type="datetimeFigureOut">
               <a:rPr lang="en-US" dirty="0"/>
-              <a:t>3/30/2017</a:t>
+              <a:t>3/31/2017</a:t>
             </a:fld>
             <a:endParaRPr lang="en-US" dirty="0"/>
           </a:p>
@@ -8152,7 +8151,7 @@
           <a:p>
             <a:fld id="{48A87A34-81AB-432B-8DAE-1953F412C126}" type="datetimeFigureOut">
               <a:rPr lang="en-US" dirty="0"/>
-              <a:t>3/30/2017</a:t>
+              <a:t>3/31/2017</a:t>
             </a:fld>
             <a:endParaRPr lang="en-US" dirty="0"/>
           </a:p>
@@ -8265,7 +8264,7 @@
           <a:p>
             <a:fld id="{48A87A34-81AB-432B-8DAE-1953F412C126}" type="datetimeFigureOut">
               <a:rPr lang="en-US" dirty="0"/>
-              <a:t>3/30/2017</a:t>
+              <a:t>3/31/2017</a:t>
             </a:fld>
             <a:endParaRPr lang="en-US" dirty="0"/>
           </a:p>
@@ -8355,7 +8354,7 @@
           <a:p>
             <a:fld id="{48A87A34-81AB-432B-8DAE-1953F412C126}" type="datetimeFigureOut">
               <a:rPr lang="en-US" dirty="0"/>
-              <a:t>3/30/2017</a:t>
+              <a:t>3/31/2017</a:t>
             </a:fld>
             <a:endParaRPr lang="en-US" dirty="0"/>
           </a:p>
@@ -8599,7 +8598,7 @@
           <a:p>
             <a:fld id="{48A87A34-81AB-432B-8DAE-1953F412C126}" type="datetimeFigureOut">
               <a:rPr lang="en-US" dirty="0"/>
-              <a:t>3/30/2017</a:t>
+              <a:t>3/31/2017</a:t>
             </a:fld>
             <a:endParaRPr lang="en-US" dirty="0"/>
           </a:p>
@@ -8874,7 +8873,7 @@
           <a:p>
             <a:fld id="{48A87A34-81AB-432B-8DAE-1953F412C126}" type="datetimeFigureOut">
               <a:rPr lang="en-US" dirty="0"/>
-              <a:t>3/30/2017</a:t>
+              <a:t>3/31/2017</a:t>
             </a:fld>
             <a:endParaRPr lang="en-US" dirty="0"/>
           </a:p>
@@ -8991,8 +8990,8 @@
           </a:prstGeom>
           <a:noFill/>
           <a:extLst>
-            <a:ext uri="{909E8E84-426E-40dd-AFC4-6F175D3DCCD1}">
-              <a14:hiddenFill xmlns="" xmlns:a14="http://schemas.microsoft.com/office/drawing/2010/main">
+            <a:ext uri="{909E8E84-426E-40DD-AFC4-6F175D3DCCD1}">
+              <a14:hiddenFill xmlns:a14="http://schemas.microsoft.com/office/drawing/2010/main">
                 <a:solidFill>
                   <a:srgbClr val="FFFFFF"/>
                 </a:solidFill>
@@ -9065,8 +9064,8 @@
                 <a:noFill/>
               </a:ln>
               <a:extLst>
-                <a:ext uri="{91240B29-F687-4f45-9708-019B960494DF}">
-                  <a14:hiddenLine xmlns="" xmlns:a14="http://schemas.microsoft.com/office/drawing/2010/main" w="9525">
+                <a:ext uri="{91240B29-F687-4F45-9708-019B960494DF}">
+                  <a14:hiddenLine xmlns:a14="http://schemas.microsoft.com/office/drawing/2010/main" w="9525">
                     <a:solidFill>
                       <a:srgbClr val="000000"/>
                     </a:solidFill>
@@ -9155,8 +9154,8 @@
                 <a:noFill/>
               </a:ln>
               <a:extLst>
-                <a:ext uri="{91240B29-F687-4f45-9708-019B960494DF}">
-                  <a14:hiddenLine xmlns="" xmlns:a14="http://schemas.microsoft.com/office/drawing/2010/main" w="9525">
+                <a:ext uri="{91240B29-F687-4F45-9708-019B960494DF}">
+                  <a14:hiddenLine xmlns:a14="http://schemas.microsoft.com/office/drawing/2010/main" w="9525">
                     <a:solidFill>
                       <a:srgbClr val="000000"/>
                     </a:solidFill>
@@ -9245,8 +9244,8 @@
                 <a:noFill/>
               </a:ln>
               <a:extLst>
-                <a:ext uri="{91240B29-F687-4f45-9708-019B960494DF}">
-                  <a14:hiddenLine xmlns="" xmlns:a14="http://schemas.microsoft.com/office/drawing/2010/main" w="9525">
+                <a:ext uri="{91240B29-F687-4F45-9708-019B960494DF}">
+                  <a14:hiddenLine xmlns:a14="http://schemas.microsoft.com/office/drawing/2010/main" w="9525">
                     <a:solidFill>
                       <a:srgbClr val="000000"/>
                     </a:solidFill>
@@ -9307,8 +9306,8 @@
                 <a:noFill/>
               </a:ln>
               <a:extLst>
-                <a:ext uri="{91240B29-F687-4f45-9708-019B960494DF}">
-                  <a14:hiddenLine xmlns="" xmlns:a14="http://schemas.microsoft.com/office/drawing/2010/main" w="9525">
+                <a:ext uri="{91240B29-F687-4F45-9708-019B960494DF}">
+                  <a14:hiddenLine xmlns:a14="http://schemas.microsoft.com/office/drawing/2010/main" w="9525">
                     <a:solidFill>
                       <a:srgbClr val="000000"/>
                     </a:solidFill>
@@ -9397,8 +9396,8 @@
                 <a:noFill/>
               </a:ln>
               <a:extLst>
-                <a:ext uri="{91240B29-F687-4f45-9708-019B960494DF}">
-                  <a14:hiddenLine xmlns="" xmlns:a14="http://schemas.microsoft.com/office/drawing/2010/main" w="9525">
+                <a:ext uri="{91240B29-F687-4F45-9708-019B960494DF}">
+                  <a14:hiddenLine xmlns:a14="http://schemas.microsoft.com/office/drawing/2010/main" w="9525">
                     <a:solidFill>
                       <a:srgbClr val="000000"/>
                     </a:solidFill>
@@ -9459,8 +9458,8 @@
                 <a:noFill/>
               </a:ln>
               <a:extLst>
-                <a:ext uri="{91240B29-F687-4f45-9708-019B960494DF}">
-                  <a14:hiddenLine xmlns="" xmlns:a14="http://schemas.microsoft.com/office/drawing/2010/main" w="9525">
+                <a:ext uri="{91240B29-F687-4F45-9708-019B960494DF}">
+                  <a14:hiddenLine xmlns:a14="http://schemas.microsoft.com/office/drawing/2010/main" w="9525">
                     <a:solidFill>
                       <a:srgbClr val="000000"/>
                     </a:solidFill>
@@ -9521,8 +9520,8 @@
                 <a:noFill/>
               </a:ln>
               <a:extLst>
-                <a:ext uri="{91240B29-F687-4f45-9708-019B960494DF}">
-                  <a14:hiddenLine xmlns="" xmlns:a14="http://schemas.microsoft.com/office/drawing/2010/main" w="9525">
+                <a:ext uri="{91240B29-F687-4F45-9708-019B960494DF}">
+                  <a14:hiddenLine xmlns:a14="http://schemas.microsoft.com/office/drawing/2010/main" w="9525">
                     <a:solidFill>
                       <a:srgbClr val="000000"/>
                     </a:solidFill>
@@ -9611,8 +9610,8 @@
                 <a:noFill/>
               </a:ln>
               <a:extLst>
-                <a:ext uri="{91240B29-F687-4f45-9708-019B960494DF}">
-                  <a14:hiddenLine xmlns="" xmlns:a14="http://schemas.microsoft.com/office/drawing/2010/main" w="9525">
+                <a:ext uri="{91240B29-F687-4F45-9708-019B960494DF}">
+                  <a14:hiddenLine xmlns:a14="http://schemas.microsoft.com/office/drawing/2010/main" w="9525">
                     <a:solidFill>
                       <a:srgbClr val="000000"/>
                     </a:solidFill>
@@ -9701,8 +9700,8 @@
                 <a:noFill/>
               </a:ln>
               <a:extLst>
-                <a:ext uri="{91240B29-F687-4f45-9708-019B960494DF}">
-                  <a14:hiddenLine xmlns="" xmlns:a14="http://schemas.microsoft.com/office/drawing/2010/main" w="9525">
+                <a:ext uri="{91240B29-F687-4F45-9708-019B960494DF}">
+                  <a14:hiddenLine xmlns:a14="http://schemas.microsoft.com/office/drawing/2010/main" w="9525">
                     <a:solidFill>
                       <a:srgbClr val="000000"/>
                     </a:solidFill>
@@ -9763,8 +9762,8 @@
                 <a:noFill/>
               </a:ln>
               <a:extLst>
-                <a:ext uri="{91240B29-F687-4f45-9708-019B960494DF}">
-                  <a14:hiddenLine xmlns="" xmlns:a14="http://schemas.microsoft.com/office/drawing/2010/main" w="9525">
+                <a:ext uri="{91240B29-F687-4F45-9708-019B960494DF}">
+                  <a14:hiddenLine xmlns:a14="http://schemas.microsoft.com/office/drawing/2010/main" w="9525">
                     <a:solidFill>
                       <a:srgbClr val="000000"/>
                     </a:solidFill>
@@ -9873,8 +9872,8 @@
                 <a:noFill/>
               </a:ln>
               <a:extLst>
-                <a:ext uri="{91240B29-F687-4f45-9708-019B960494DF}">
-                  <a14:hiddenLine xmlns="" xmlns:a14="http://schemas.microsoft.com/office/drawing/2010/main" w="9525">
+                <a:ext uri="{91240B29-F687-4F45-9708-019B960494DF}">
+                  <a14:hiddenLine xmlns:a14="http://schemas.microsoft.com/office/drawing/2010/main" w="9525">
                     <a:solidFill>
                       <a:srgbClr val="000000"/>
                     </a:solidFill>
@@ -9957,8 +9956,8 @@
                 <a:noFill/>
               </a:ln>
               <a:extLst>
-                <a:ext uri="{91240B29-F687-4f45-9708-019B960494DF}">
-                  <a14:hiddenLine xmlns="" xmlns:a14="http://schemas.microsoft.com/office/drawing/2010/main" w="9525">
+                <a:ext uri="{91240B29-F687-4F45-9708-019B960494DF}">
+                  <a14:hiddenLine xmlns:a14="http://schemas.microsoft.com/office/drawing/2010/main" w="9525">
                     <a:solidFill>
                       <a:srgbClr val="000000"/>
                     </a:solidFill>
@@ -10019,8 +10018,8 @@
                 <a:noFill/>
               </a:ln>
               <a:extLst>
-                <a:ext uri="{91240B29-F687-4f45-9708-019B960494DF}">
-                  <a14:hiddenLine xmlns="" xmlns:a14="http://schemas.microsoft.com/office/drawing/2010/main" w="9525">
+                <a:ext uri="{91240B29-F687-4F45-9708-019B960494DF}">
+                  <a14:hiddenLine xmlns:a14="http://schemas.microsoft.com/office/drawing/2010/main" w="9525">
                     <a:solidFill>
                       <a:srgbClr val="000000"/>
                     </a:solidFill>
@@ -10081,8 +10080,8 @@
                 <a:noFill/>
               </a:ln>
               <a:extLst>
-                <a:ext uri="{91240B29-F687-4f45-9708-019B960494DF}">
-                  <a14:hiddenLine xmlns="" xmlns:a14="http://schemas.microsoft.com/office/drawing/2010/main" w="9525">
+                <a:ext uri="{91240B29-F687-4F45-9708-019B960494DF}">
+                  <a14:hiddenLine xmlns:a14="http://schemas.microsoft.com/office/drawing/2010/main" w="9525">
                     <a:solidFill>
                       <a:srgbClr val="000000"/>
                     </a:solidFill>
@@ -10171,8 +10170,8 @@
                 <a:noFill/>
               </a:ln>
               <a:extLst>
-                <a:ext uri="{91240B29-F687-4f45-9708-019B960494DF}">
-                  <a14:hiddenLine xmlns="" xmlns:a14="http://schemas.microsoft.com/office/drawing/2010/main" w="9525">
+                <a:ext uri="{91240B29-F687-4F45-9708-019B960494DF}">
+                  <a14:hiddenLine xmlns:a14="http://schemas.microsoft.com/office/drawing/2010/main" w="9525">
                     <a:solidFill>
                       <a:srgbClr val="000000"/>
                     </a:solidFill>
@@ -10205,8 +10204,8 @@
                 <a:noFill/>
               </a:ln>
               <a:extLst>
-                <a:ext uri="{91240B29-F687-4f45-9708-019B960494DF}">
-                  <a14:hiddenLine xmlns="" xmlns:a14="http://schemas.microsoft.com/office/drawing/2010/main" w="9525">
+                <a:ext uri="{91240B29-F687-4F45-9708-019B960494DF}">
+                  <a14:hiddenLine xmlns:a14="http://schemas.microsoft.com/office/drawing/2010/main" w="9525">
                     <a:solidFill>
                       <a:srgbClr val="000000"/>
                     </a:solidFill>
@@ -10270,8 +10269,8 @@
                 <a:noFill/>
               </a:ln>
               <a:extLst>
-                <a:ext uri="{91240B29-F687-4f45-9708-019B960494DF}">
-                  <a14:hiddenLine xmlns="" xmlns:a14="http://schemas.microsoft.com/office/drawing/2010/main" w="9525">
+                <a:ext uri="{91240B29-F687-4F45-9708-019B960494DF}">
+                  <a14:hiddenLine xmlns:a14="http://schemas.microsoft.com/office/drawing/2010/main" w="9525">
                     <a:solidFill>
                       <a:srgbClr val="000000"/>
                     </a:solidFill>
@@ -10360,8 +10359,8 @@
                 <a:noFill/>
               </a:ln>
               <a:extLst>
-                <a:ext uri="{91240B29-F687-4f45-9708-019B960494DF}">
-                  <a14:hiddenLine xmlns="" xmlns:a14="http://schemas.microsoft.com/office/drawing/2010/main" w="9525">
+                <a:ext uri="{91240B29-F687-4F45-9708-019B960494DF}">
+                  <a14:hiddenLine xmlns:a14="http://schemas.microsoft.com/office/drawing/2010/main" w="9525">
                     <a:solidFill>
                       <a:srgbClr val="000000"/>
                     </a:solidFill>
@@ -10422,8 +10421,8 @@
                 <a:noFill/>
               </a:ln>
               <a:extLst>
-                <a:ext uri="{91240B29-F687-4f45-9708-019B960494DF}">
-                  <a14:hiddenLine xmlns="" xmlns:a14="http://schemas.microsoft.com/office/drawing/2010/main" w="9525">
+                <a:ext uri="{91240B29-F687-4F45-9708-019B960494DF}">
+                  <a14:hiddenLine xmlns:a14="http://schemas.microsoft.com/office/drawing/2010/main" w="9525">
                     <a:solidFill>
                       <a:srgbClr val="000000"/>
                     </a:solidFill>
@@ -10512,8 +10511,8 @@
                 <a:noFill/>
               </a:ln>
               <a:extLst>
-                <a:ext uri="{91240B29-F687-4f45-9708-019B960494DF}">
-                  <a14:hiddenLine xmlns="" xmlns:a14="http://schemas.microsoft.com/office/drawing/2010/main" w="9525">
+                <a:ext uri="{91240B29-F687-4F45-9708-019B960494DF}">
+                  <a14:hiddenLine xmlns:a14="http://schemas.microsoft.com/office/drawing/2010/main" w="9525">
                     <a:solidFill>
                       <a:srgbClr val="000000"/>
                     </a:solidFill>
@@ -10577,8 +10576,8 @@
                 <a:noFill/>
               </a:ln>
               <a:extLst>
-                <a:ext uri="{91240B29-F687-4f45-9708-019B960494DF}">
-                  <a14:hiddenLine xmlns="" xmlns:a14="http://schemas.microsoft.com/office/drawing/2010/main" w="9525">
+                <a:ext uri="{91240B29-F687-4F45-9708-019B960494DF}">
+                  <a14:hiddenLine xmlns:a14="http://schemas.microsoft.com/office/drawing/2010/main" w="9525">
                     <a:solidFill>
                       <a:srgbClr val="000000"/>
                     </a:solidFill>
@@ -10639,8 +10638,8 @@
                 <a:noFill/>
               </a:ln>
               <a:extLst>
-                <a:ext uri="{91240B29-F687-4f45-9708-019B960494DF}">
-                  <a14:hiddenLine xmlns="" xmlns:a14="http://schemas.microsoft.com/office/drawing/2010/main" w="9525">
+                <a:ext uri="{91240B29-F687-4F45-9708-019B960494DF}">
+                  <a14:hiddenLine xmlns:a14="http://schemas.microsoft.com/office/drawing/2010/main" w="9525">
                     <a:solidFill>
                       <a:srgbClr val="000000"/>
                     </a:solidFill>
@@ -10729,8 +10728,8 @@
                 <a:noFill/>
               </a:ln>
               <a:extLst>
-                <a:ext uri="{91240B29-F687-4f45-9708-019B960494DF}">
-                  <a14:hiddenLine xmlns="" xmlns:a14="http://schemas.microsoft.com/office/drawing/2010/main" w="9525">
+                <a:ext uri="{91240B29-F687-4F45-9708-019B960494DF}">
+                  <a14:hiddenLine xmlns:a14="http://schemas.microsoft.com/office/drawing/2010/main" w="9525">
                     <a:solidFill>
                       <a:srgbClr val="000000"/>
                     </a:solidFill>
@@ -10819,8 +10818,8 @@
                 <a:noFill/>
               </a:ln>
               <a:extLst>
-                <a:ext uri="{91240B29-F687-4f45-9708-019B960494DF}">
-                  <a14:hiddenLine xmlns="" xmlns:a14="http://schemas.microsoft.com/office/drawing/2010/main" w="9525">
+                <a:ext uri="{91240B29-F687-4F45-9708-019B960494DF}">
+                  <a14:hiddenLine xmlns:a14="http://schemas.microsoft.com/office/drawing/2010/main" w="9525">
                     <a:solidFill>
                       <a:srgbClr val="000000"/>
                     </a:solidFill>
@@ -10884,8 +10883,8 @@
                 <a:noFill/>
               </a:ln>
               <a:extLst>
-                <a:ext uri="{91240B29-F687-4f45-9708-019B960494DF}">
-                  <a14:hiddenLine xmlns="" xmlns:a14="http://schemas.microsoft.com/office/drawing/2010/main" w="9525">
+                <a:ext uri="{91240B29-F687-4F45-9708-019B960494DF}">
+                  <a14:hiddenLine xmlns:a14="http://schemas.microsoft.com/office/drawing/2010/main" w="9525">
                     <a:solidFill>
                       <a:srgbClr val="000000"/>
                     </a:solidFill>
@@ -11004,8 +11003,8 @@
                 <a:noFill/>
               </a:ln>
               <a:extLst>
-                <a:ext uri="{91240B29-F687-4f45-9708-019B960494DF}">
-                  <a14:hiddenLine xmlns="" xmlns:a14="http://schemas.microsoft.com/office/drawing/2010/main" w="9525">
+                <a:ext uri="{91240B29-F687-4F45-9708-019B960494DF}">
+                  <a14:hiddenLine xmlns:a14="http://schemas.microsoft.com/office/drawing/2010/main" w="9525">
                     <a:solidFill>
                       <a:srgbClr val="000000"/>
                     </a:solidFill>
@@ -11085,8 +11084,8 @@
                 <a:noFill/>
               </a:ln>
               <a:extLst>
-                <a:ext uri="{91240B29-F687-4f45-9708-019B960494DF}">
-                  <a14:hiddenLine xmlns="" xmlns:a14="http://schemas.microsoft.com/office/drawing/2010/main" w="9525">
+                <a:ext uri="{91240B29-F687-4F45-9708-019B960494DF}">
+                  <a14:hiddenLine xmlns:a14="http://schemas.microsoft.com/office/drawing/2010/main" w="9525">
                     <a:solidFill>
                       <a:srgbClr val="000000"/>
                     </a:solidFill>
@@ -11200,8 +11199,8 @@
                 <a:noFill/>
               </a:ln>
               <a:extLst>
-                <a:ext uri="{91240B29-F687-4f45-9708-019B960494DF}">
-                  <a14:hiddenLine xmlns="" xmlns:a14="http://schemas.microsoft.com/office/drawing/2010/main" w="9525">
+                <a:ext uri="{91240B29-F687-4F45-9708-019B960494DF}">
+                  <a14:hiddenLine xmlns:a14="http://schemas.microsoft.com/office/drawing/2010/main" w="9525">
                     <a:solidFill>
                       <a:srgbClr val="000000"/>
                     </a:solidFill>
@@ -11290,8 +11289,8 @@
                 <a:noFill/>
               </a:ln>
               <a:extLst>
-                <a:ext uri="{91240B29-F687-4f45-9708-019B960494DF}">
-                  <a14:hiddenLine xmlns="" xmlns:a14="http://schemas.microsoft.com/office/drawing/2010/main" w="9525">
+                <a:ext uri="{91240B29-F687-4F45-9708-019B960494DF}">
+                  <a14:hiddenLine xmlns:a14="http://schemas.microsoft.com/office/drawing/2010/main" w="9525">
                     <a:solidFill>
                       <a:srgbClr val="000000"/>
                     </a:solidFill>
@@ -11355,8 +11354,8 @@
                 <a:noFill/>
               </a:ln>
               <a:extLst>
-                <a:ext uri="{91240B29-F687-4f45-9708-019B960494DF}">
-                  <a14:hiddenLine xmlns="" xmlns:a14="http://schemas.microsoft.com/office/drawing/2010/main" w="9525">
+                <a:ext uri="{91240B29-F687-4F45-9708-019B960494DF}">
+                  <a14:hiddenLine xmlns:a14="http://schemas.microsoft.com/office/drawing/2010/main" w="9525">
                     <a:solidFill>
                       <a:srgbClr val="000000"/>
                     </a:solidFill>
@@ -11445,8 +11444,8 @@
                 <a:noFill/>
               </a:ln>
               <a:extLst>
-                <a:ext uri="{91240B29-F687-4f45-9708-019B960494DF}">
-                  <a14:hiddenLine xmlns="" xmlns:a14="http://schemas.microsoft.com/office/drawing/2010/main" w="9525">
+                <a:ext uri="{91240B29-F687-4F45-9708-019B960494DF}">
+                  <a14:hiddenLine xmlns:a14="http://schemas.microsoft.com/office/drawing/2010/main" w="9525">
                     <a:solidFill>
                       <a:srgbClr val="000000"/>
                     </a:solidFill>
@@ -11513,8 +11512,8 @@
                 <a:noFill/>
               </a:ln>
               <a:extLst>
-                <a:ext uri="{91240B29-F687-4f45-9708-019B960494DF}">
-                  <a14:hiddenLine xmlns="" xmlns:a14="http://schemas.microsoft.com/office/drawing/2010/main" w="9525">
+                <a:ext uri="{91240B29-F687-4F45-9708-019B960494DF}">
+                  <a14:hiddenLine xmlns:a14="http://schemas.microsoft.com/office/drawing/2010/main" w="9525">
                     <a:solidFill>
                       <a:srgbClr val="000000"/>
                     </a:solidFill>
@@ -11603,8 +11602,8 @@
                 <a:noFill/>
               </a:ln>
               <a:extLst>
-                <a:ext uri="{91240B29-F687-4f45-9708-019B960494DF}">
-                  <a14:hiddenLine xmlns="" xmlns:a14="http://schemas.microsoft.com/office/drawing/2010/main" w="9525">
+                <a:ext uri="{91240B29-F687-4F45-9708-019B960494DF}">
+                  <a14:hiddenLine xmlns:a14="http://schemas.microsoft.com/office/drawing/2010/main" w="9525">
                     <a:solidFill>
                       <a:srgbClr val="000000"/>
                     </a:solidFill>
@@ -11671,8 +11670,8 @@
                 <a:noFill/>
               </a:ln>
               <a:extLst>
-                <a:ext uri="{91240B29-F687-4f45-9708-019B960494DF}">
-                  <a14:hiddenLine xmlns="" xmlns:a14="http://schemas.microsoft.com/office/drawing/2010/main" w="9525">
+                <a:ext uri="{91240B29-F687-4F45-9708-019B960494DF}">
+                  <a14:hiddenLine xmlns:a14="http://schemas.microsoft.com/office/drawing/2010/main" w="9525">
                     <a:solidFill>
                       <a:srgbClr val="000000"/>
                     </a:solidFill>
@@ -11761,8 +11760,8 @@
                 <a:noFill/>
               </a:ln>
               <a:extLst>
-                <a:ext uri="{91240B29-F687-4f45-9708-019B960494DF}">
-                  <a14:hiddenLine xmlns="" xmlns:a14="http://schemas.microsoft.com/office/drawing/2010/main" w="9525">
+                <a:ext uri="{91240B29-F687-4F45-9708-019B960494DF}">
+                  <a14:hiddenLine xmlns:a14="http://schemas.microsoft.com/office/drawing/2010/main" w="9525">
                     <a:solidFill>
                       <a:srgbClr val="000000"/>
                     </a:solidFill>
@@ -11795,8 +11794,8 @@
                 <a:noFill/>
               </a:ln>
               <a:extLst>
-                <a:ext uri="{91240B29-F687-4f45-9708-019B960494DF}">
-                  <a14:hiddenLine xmlns="" xmlns:a14="http://schemas.microsoft.com/office/drawing/2010/main" w="9525">
+                <a:ext uri="{91240B29-F687-4F45-9708-019B960494DF}">
+                  <a14:hiddenLine xmlns:a14="http://schemas.microsoft.com/office/drawing/2010/main" w="9525">
                     <a:solidFill>
                       <a:srgbClr val="000000"/>
                     </a:solidFill>
@@ -11937,7 +11936,7 @@
             <a:fld id="{48A87A34-81AB-432B-8DAE-1953F412C126}" type="datetimeFigureOut">
               <a:rPr lang="en-US" dirty="0"/>
               <a:pPr/>
-              <a:t>3/30/2017</a:t>
+              <a:t>3/31/2017</a:t>
             </a:fld>
             <a:endParaRPr lang="en-US" dirty="0"/>
           </a:p>
@@ -12410,74 +12409,6 @@
 </p:sld>
 </file>
 
-<file path=ppt/slides/slide10.xml><?xml version="1.0" encoding="utf-8"?>
-<p:sld xmlns:a="http://schemas.openxmlformats.org/drawingml/2006/main" xmlns:r="http://schemas.openxmlformats.org/officeDocument/2006/relationships" xmlns:p="http://schemas.openxmlformats.org/presentationml/2006/main">
-  <p:cSld>
-    <p:spTree>
-      <p:nvGrpSpPr>
-        <p:cNvPr id="1" name=""/>
-        <p:cNvGrpSpPr/>
-        <p:nvPr/>
-      </p:nvGrpSpPr>
-      <p:grpSpPr>
-        <a:xfrm>
-          <a:off x="0" y="0"/>
-          <a:ext cx="0" cy="0"/>
-          <a:chOff x="0" y="0"/>
-          <a:chExt cx="0" cy="0"/>
-        </a:xfrm>
-      </p:grpSpPr>
-      <p:sp>
-        <p:nvSpPr>
-          <p:cNvPr id="2" name="Title 1"/>
-          <p:cNvSpPr>
-            <a:spLocks noGrp="1"/>
-          </p:cNvSpPr>
-          <p:nvPr>
-            <p:ph type="title"/>
-          </p:nvPr>
-        </p:nvSpPr>
-        <p:spPr/>
-        <p:txBody>
-          <a:bodyPr/>
-          <a:lstStyle/>
-          <a:p>
-            <a:endParaRPr lang="en-NZ"/>
-          </a:p>
-        </p:txBody>
-      </p:sp>
-      <p:sp>
-        <p:nvSpPr>
-          <p:cNvPr id="3" name="Content Placeholder 2"/>
-          <p:cNvSpPr>
-            <a:spLocks noGrp="1"/>
-          </p:cNvSpPr>
-          <p:nvPr>
-            <p:ph idx="1"/>
-          </p:nvPr>
-        </p:nvSpPr>
-        <p:spPr/>
-        <p:txBody>
-          <a:bodyPr/>
-          <a:lstStyle/>
-          <a:p>
-            <a:endParaRPr lang="en-NZ"/>
-          </a:p>
-        </p:txBody>
-      </p:sp>
-    </p:spTree>
-    <p:extLst>
-      <p:ext uri="{BB962C8B-B14F-4D97-AF65-F5344CB8AC3E}">
-        <p14:creationId xmlns:p14="http://schemas.microsoft.com/office/powerpoint/2010/main" val="233068361"/>
-      </p:ext>
-    </p:extLst>
-  </p:cSld>
-  <p:clrMapOvr>
-    <a:masterClrMapping/>
-  </p:clrMapOvr>
-</p:sld>
-</file>
-
 <file path=ppt/slides/slide2.xml><?xml version="1.0" encoding="utf-8"?>
 <p:sld xmlns:a="http://schemas.openxmlformats.org/drawingml/2006/main" xmlns:r="http://schemas.openxmlformats.org/officeDocument/2006/relationships" xmlns:p="http://schemas.openxmlformats.org/presentationml/2006/main">
   <p:cSld>
@@ -12637,9 +12568,10 @@
           <a:lstStyle/>
           <a:p>
             <a:r>
-              <a:rPr lang="en-NZ" dirty="0"/>
-              <a:t>Mini Golf:</a:t>
-            </a:r>
+              <a:rPr lang="en-NZ" dirty="0" smtClean="0"/>
+              <a:t>Level Designer</a:t>
+            </a:r>
+            <a:endParaRPr lang="en-NZ" dirty="0"/>
           </a:p>
         </p:txBody>
       </p:sp>
@@ -12653,29 +12585,46 @@
             <p:ph idx="1"/>
           </p:nvPr>
         </p:nvSpPr>
-        <p:spPr/>
+        <p:spPr>
+          <a:xfrm>
+            <a:off x="1141412" y="2249486"/>
+            <a:ext cx="9905999" cy="4240325"/>
+          </a:xfrm>
+        </p:spPr>
         <p:txBody>
           <a:bodyPr/>
           <a:lstStyle/>
           <a:p>
             <a:r>
-              <a:rPr lang="en-NZ" dirty="0"/>
-              <a:t>2D Platform, side view (side scrolling using view for larger level).</a:t>
-            </a:r>
-          </a:p>
-          <a:p>
-            <a:r>
-              <a:rPr lang="en-NZ" dirty="0"/>
-              <a:t>Most player interaction through mouse (click and drag).</a:t>
-            </a:r>
-          </a:p>
-          <a:p>
-            <a:r>
-              <a:rPr lang="en-NZ" dirty="0"/>
-              <a:t>A lot of  kinematic object world interaction, some position/proximity events</a:t>
-            </a:r>
-          </a:p>
-          <a:p>
+              <a:rPr lang="en-NZ" dirty="0" smtClean="0"/>
+              <a:t>Need to save a lot of the box2D object data such as textures, friction, restitution, position, etc. in a simple format that can be parsed into the program to save/load levels</a:t>
+            </a:r>
+          </a:p>
+          <a:p>
+            <a:r>
+              <a:rPr lang="en-NZ" dirty="0" smtClean="0"/>
+              <a:t>Proposed using XML and a parser such as </a:t>
+            </a:r>
+            <a:r>
+              <a:rPr lang="en-NZ" dirty="0" err="1" smtClean="0"/>
+              <a:t>pugixml</a:t>
+            </a:r>
+            <a:r>
+              <a:rPr lang="en-NZ" dirty="0" smtClean="0"/>
+              <a:t> to perform this</a:t>
+            </a:r>
+          </a:p>
+          <a:p>
+            <a:r>
+              <a:rPr lang="en-NZ" dirty="0" smtClean="0"/>
+              <a:t>Helps with scalability and can allow a lot to be done on a simple engine once a general game format is created</a:t>
+            </a:r>
+          </a:p>
+          <a:p>
+            <a:r>
+              <a:rPr lang="en-NZ" dirty="0" smtClean="0"/>
+              <a:t>Can be used for the following games (next slide); will likely implement Game1 first using the designer, and maybe game2 if there’s time</a:t>
+            </a:r>
             <a:endParaRPr lang="en-NZ" dirty="0"/>
           </a:p>
         </p:txBody>
@@ -12683,7 +12632,7 @@
     </p:spTree>
     <p:extLst>
       <p:ext uri="{BB962C8B-B14F-4D97-AF65-F5344CB8AC3E}">
-        <p14:creationId xmlns:p14="http://schemas.microsoft.com/office/powerpoint/2010/main" val="2208684420"/>
+        <p14:creationId xmlns:p14="http://schemas.microsoft.com/office/powerpoint/2010/main" val="1300056216"/>
       </p:ext>
     </p:extLst>
   </p:cSld>
@@ -12727,7 +12676,7 @@
           <a:p>
             <a:r>
               <a:rPr lang="en-NZ" dirty="0"/>
-              <a:t>Technologies</a:t>
+              <a:t>Mini Golf:</a:t>
             </a:r>
           </a:p>
         </p:txBody>
@@ -12747,6 +12696,24 @@
           <a:bodyPr/>
           <a:lstStyle/>
           <a:p>
+            <a:r>
+              <a:rPr lang="en-NZ" dirty="0"/>
+              <a:t>2D Platform, side view (side scrolling using view for larger level).</a:t>
+            </a:r>
+          </a:p>
+          <a:p>
+            <a:r>
+              <a:rPr lang="en-NZ" dirty="0"/>
+              <a:t>Most player interaction through mouse (click and drag).</a:t>
+            </a:r>
+          </a:p>
+          <a:p>
+            <a:r>
+              <a:rPr lang="en-NZ" dirty="0"/>
+              <a:t>A lot of  kinematic object world interaction, some position/proximity events</a:t>
+            </a:r>
+          </a:p>
+          <a:p>
             <a:endParaRPr lang="en-NZ" dirty="0"/>
           </a:p>
         </p:txBody>
@@ -12754,7 +12721,7 @@
     </p:spTree>
     <p:extLst>
       <p:ext uri="{BB962C8B-B14F-4D97-AF65-F5344CB8AC3E}">
-        <p14:creationId xmlns:p14="http://schemas.microsoft.com/office/powerpoint/2010/main" val="4164881399"/>
+        <p14:creationId xmlns:p14="http://schemas.microsoft.com/office/powerpoint/2010/main" val="2208684420"/>
       </p:ext>
     </p:extLst>
   </p:cSld>
@@ -12798,8 +12765,13 @@
           <a:p>
             <a:r>
               <a:rPr lang="en-NZ" dirty="0"/>
-              <a:t>Game 2</a:t>
-            </a:r>
+              <a:t>Game </a:t>
+            </a:r>
+            <a:r>
+              <a:rPr lang="en-NZ" dirty="0" smtClean="0"/>
+              <a:t>2 Zombie Onslaught</a:t>
+            </a:r>
+            <a:endParaRPr lang="en-NZ" dirty="0"/>
           </a:p>
         </p:txBody>
       </p:sp>
@@ -12845,6 +12817,88 @@
           </a:p>
         </p:txBody>
       </p:sp>
+      <p:pic>
+        <p:nvPicPr>
+          <p:cNvPr id="1026" name="Picture 2" descr="Image result for one finger death punch"/>
+          <p:cNvPicPr>
+            <a:picLocks noChangeAspect="1" noChangeArrowheads="1"/>
+          </p:cNvPicPr>
+          <p:nvPr/>
+        </p:nvPicPr>
+        <p:blipFill>
+          <a:blip r:embed="rId2">
+            <a:extLst>
+              <a:ext uri="{28A0092B-C50C-407E-A947-70E740481C1C}">
+                <a14:useLocalDpi xmlns:a14="http://schemas.microsoft.com/office/drawing/2010/main" val="0"/>
+              </a:ext>
+            </a:extLst>
+          </a:blip>
+          <a:srcRect/>
+          <a:stretch>
+            <a:fillRect/>
+          </a:stretch>
+        </p:blipFill>
+        <p:spPr bwMode="auto">
+          <a:xfrm>
+            <a:off x="626882" y="3970638"/>
+            <a:ext cx="4544858" cy="2556483"/>
+          </a:xfrm>
+          <a:prstGeom prst="rect">
+            <a:avLst/>
+          </a:prstGeom>
+          <a:noFill/>
+          <a:extLst>
+            <a:ext uri="{909E8E84-426E-40DD-AFC4-6F175D3DCCD1}">
+              <a14:hiddenFill xmlns:a14="http://schemas.microsoft.com/office/drawing/2010/main">
+                <a:solidFill>
+                  <a:srgbClr val="FFFFFF"/>
+                </a:solidFill>
+              </a14:hiddenFill>
+            </a:ext>
+          </a:extLst>
+        </p:spPr>
+      </p:pic>
+      <p:pic>
+        <p:nvPicPr>
+          <p:cNvPr id="1028" name="Picture 4" descr="Image result for towerfall ascension"/>
+          <p:cNvPicPr>
+            <a:picLocks noChangeAspect="1" noChangeArrowheads="1"/>
+          </p:cNvPicPr>
+          <p:nvPr/>
+        </p:nvPicPr>
+        <p:blipFill>
+          <a:blip r:embed="rId3">
+            <a:extLst>
+              <a:ext uri="{28A0092B-C50C-407E-A947-70E740481C1C}">
+                <a14:useLocalDpi xmlns:a14="http://schemas.microsoft.com/office/drawing/2010/main" val="0"/>
+              </a:ext>
+            </a:extLst>
+          </a:blip>
+          <a:srcRect/>
+          <a:stretch>
+            <a:fillRect/>
+          </a:stretch>
+        </p:blipFill>
+        <p:spPr bwMode="auto">
+          <a:xfrm>
+            <a:off x="6870136" y="4061699"/>
+            <a:ext cx="3165813" cy="2374360"/>
+          </a:xfrm>
+          <a:prstGeom prst="rect">
+            <a:avLst/>
+          </a:prstGeom>
+          <a:noFill/>
+          <a:extLst>
+            <a:ext uri="{909E8E84-426E-40DD-AFC4-6F175D3DCCD1}">
+              <a14:hiddenFill xmlns:a14="http://schemas.microsoft.com/office/drawing/2010/main">
+                <a:solidFill>
+                  <a:srgbClr val="FFFFFF"/>
+                </a:solidFill>
+              </a14:hiddenFill>
+            </a:ext>
+          </a:extLst>
+        </p:spPr>
+      </p:pic>
     </p:spTree>
     <p:extLst>
       <p:ext uri="{BB962C8B-B14F-4D97-AF65-F5344CB8AC3E}">
@@ -12892,7 +12946,7 @@
           <a:p>
             <a:r>
               <a:rPr lang="en-NZ" dirty="0"/>
-              <a:t>Technologies</a:t>
+              <a:t>Risks</a:t>
             </a:r>
           </a:p>
         </p:txBody>
@@ -12912,14 +12966,35 @@
           <a:bodyPr/>
           <a:lstStyle/>
           <a:p>
-            <a:endParaRPr lang="en-NZ"/>
+            <a:r>
+              <a:rPr lang="en-NZ" dirty="0"/>
+              <a:t>Time:</a:t>
+            </a:r>
+          </a:p>
+          <a:p>
+            <a:pPr lvl="1"/>
+            <a:r>
+              <a:rPr lang="en-NZ" dirty="0"/>
+              <a:t>Making the game idea scalable allows for a fully working game to still be achieved in less time.</a:t>
+            </a:r>
+          </a:p>
+          <a:p>
+            <a:pPr lvl="1"/>
+            <a:r>
+              <a:rPr lang="en-NZ" dirty="0"/>
+              <a:t>Creating the tools to develop levels allows for those technologies to be part of the project showcase</a:t>
+            </a:r>
+          </a:p>
+          <a:p>
+            <a:pPr lvl="1"/>
+            <a:endParaRPr lang="en-NZ" dirty="0"/>
           </a:p>
         </p:txBody>
       </p:sp>
     </p:spTree>
     <p:extLst>
       <p:ext uri="{BB962C8B-B14F-4D97-AF65-F5344CB8AC3E}">
-        <p14:creationId xmlns:p14="http://schemas.microsoft.com/office/powerpoint/2010/main" val="2502288812"/>
+        <p14:creationId xmlns:p14="http://schemas.microsoft.com/office/powerpoint/2010/main" val="808284098"/>
       </p:ext>
     </p:extLst>
   </p:cSld>
@@ -12963,7 +13038,7 @@
           <a:p>
             <a:r>
               <a:rPr lang="en-NZ" dirty="0"/>
-              <a:t>Risks</a:t>
+              <a:t>Other details:	</a:t>
             </a:r>
           </a:p>
         </p:txBody>
@@ -12985,33 +13060,21 @@
           <a:p>
             <a:r>
               <a:rPr lang="en-NZ" dirty="0"/>
-              <a:t>Time:</a:t>
-            </a:r>
-          </a:p>
-          <a:p>
-            <a:pPr lvl="1"/>
+              <a:t>Timeline: Now – due date.</a:t>
+            </a:r>
+          </a:p>
+          <a:p>
             <a:r>
               <a:rPr lang="en-NZ" dirty="0"/>
-              <a:t>Making the game idea scalable allows for a fully working game to still be achieved in less time.</a:t>
-            </a:r>
-          </a:p>
-          <a:p>
-            <a:pPr lvl="1"/>
-            <a:r>
-              <a:rPr lang="en-NZ" dirty="0"/>
-              <a:t>Creating the tools to develop levels allows for those technologies to be part of the project showcase</a:t>
-            </a:r>
-          </a:p>
-          <a:p>
-            <a:pPr lvl="1"/>
-            <a:endParaRPr lang="en-NZ" dirty="0"/>
+              <a:t>Capabilities: Experience in SFML from last semester, basic knowledge of AI</a:t>
+            </a:r>
           </a:p>
         </p:txBody>
       </p:sp>
     </p:spTree>
     <p:extLst>
       <p:ext uri="{BB962C8B-B14F-4D97-AF65-F5344CB8AC3E}">
-        <p14:creationId xmlns:p14="http://schemas.microsoft.com/office/powerpoint/2010/main" val="808284098"/>
+        <p14:creationId xmlns:p14="http://schemas.microsoft.com/office/powerpoint/2010/main" val="3236644588"/>
       </p:ext>
     </p:extLst>
   </p:cSld>
@@ -13055,7 +13118,7 @@
           <a:p>
             <a:r>
               <a:rPr lang="en-NZ" dirty="0"/>
-              <a:t>Other details:	</a:t>
+              <a:t>Easy vs hard game components</a:t>
             </a:r>
           </a:p>
         </p:txBody>
@@ -13072,18 +13135,70 @@
         </p:nvSpPr>
         <p:spPr/>
         <p:txBody>
-          <a:bodyPr/>
+          <a:bodyPr>
+            <a:normAutofit lnSpcReduction="10000"/>
+          </a:bodyPr>
           <a:lstStyle/>
           <a:p>
             <a:r>
               <a:rPr lang="en-NZ" dirty="0"/>
-              <a:t>Timeline: Now – due date.</a:t>
-            </a:r>
-          </a:p>
-          <a:p>
+              <a:t>Easy:</a:t>
+            </a:r>
+          </a:p>
+          <a:p>
+            <a:pPr lvl="1"/>
             <a:r>
               <a:rPr lang="en-NZ" dirty="0"/>
-              <a:t>Capabilities: Experience in SFML from last semester, basic knowledge of AI</a:t>
+              <a:t>Drawing </a:t>
+            </a:r>
+            <a:r>
+              <a:rPr lang="en-NZ" dirty="0" err="1"/>
+              <a:t>sfml</a:t>
+            </a:r>
+            <a:r>
+              <a:rPr lang="en-NZ" dirty="0"/>
+              <a:t> shapes based on box2d body shapes.</a:t>
+            </a:r>
+          </a:p>
+          <a:p>
+            <a:pPr lvl="1"/>
+            <a:r>
+              <a:rPr lang="en-NZ" dirty="0"/>
+              <a:t>Automatic symmetrical shape creation</a:t>
+            </a:r>
+          </a:p>
+          <a:p>
+            <a:pPr lvl="1"/>
+            <a:r>
+              <a:rPr lang="en-NZ" dirty="0"/>
+              <a:t>Physics (thanks, box2d)</a:t>
+            </a:r>
+          </a:p>
+          <a:p>
+            <a:r>
+              <a:rPr lang="en-NZ" dirty="0"/>
+              <a:t>Hard:</a:t>
+            </a:r>
+          </a:p>
+          <a:p>
+            <a:pPr lvl="1"/>
+            <a:r>
+              <a:rPr lang="en-NZ" dirty="0"/>
+              <a:t>Creating tools for level design</a:t>
+            </a:r>
+          </a:p>
+          <a:p>
+            <a:pPr lvl="1"/>
+            <a:r>
+              <a:rPr lang="en-NZ" dirty="0"/>
+              <a:t>Saving and loading levels (from file)</a:t>
+            </a:r>
+          </a:p>
+          <a:p>
+            <a:pPr lvl="1"/>
+            <a:r>
+              <a:rPr lang="en-NZ" dirty="0"/>
+              <a:t>AI (other players in mini golf, enemies in zombie wave shooter </a:t>
             </a:r>
           </a:p>
         </p:txBody>
@@ -13091,7 +13206,7 @@
     </p:spTree>
     <p:extLst>
       <p:ext uri="{BB962C8B-B14F-4D97-AF65-F5344CB8AC3E}">
-        <p14:creationId xmlns:p14="http://schemas.microsoft.com/office/powerpoint/2010/main" val="3236644588"/>
+        <p14:creationId xmlns:p14="http://schemas.microsoft.com/office/powerpoint/2010/main" val="2218710767"/>
       </p:ext>
     </p:extLst>
   </p:cSld>
@@ -13134,9 +13249,10 @@
           <a:lstStyle/>
           <a:p>
             <a:r>
-              <a:rPr lang="en-NZ" dirty="0"/>
-              <a:t>Easy vs hard game components</a:t>
-            </a:r>
+              <a:rPr lang="en-NZ" dirty="0" smtClean="0"/>
+              <a:t>Questions / Comments?</a:t>
+            </a:r>
+            <a:endParaRPr lang="en-NZ" dirty="0"/>
           </a:p>
         </p:txBody>
       </p:sp>
@@ -13152,78 +13268,17 @@
         </p:nvSpPr>
         <p:spPr/>
         <p:txBody>
-          <a:bodyPr>
-            <a:normAutofit lnSpcReduction="10000"/>
-          </a:bodyPr>
+          <a:bodyPr/>
           <a:lstStyle/>
           <a:p>
-            <a:r>
-              <a:rPr lang="en-NZ" dirty="0"/>
-              <a:t>Easy:</a:t>
-            </a:r>
-          </a:p>
-          <a:p>
-            <a:pPr lvl="1"/>
-            <a:r>
-              <a:rPr lang="en-NZ" dirty="0"/>
-              <a:t>Drawing </a:t>
-            </a:r>
-            <a:r>
-              <a:rPr lang="en-NZ" dirty="0" err="1"/>
-              <a:t>sfml</a:t>
-            </a:r>
-            <a:r>
-              <a:rPr lang="en-NZ" dirty="0"/>
-              <a:t> shapes based on box2d body shapes.</a:t>
-            </a:r>
-          </a:p>
-          <a:p>
-            <a:pPr lvl="1"/>
-            <a:r>
-              <a:rPr lang="en-NZ" dirty="0"/>
-              <a:t>Automatic symmetrical shape creation</a:t>
-            </a:r>
-          </a:p>
-          <a:p>
-            <a:pPr lvl="1"/>
-            <a:r>
-              <a:rPr lang="en-NZ" dirty="0"/>
-              <a:t>Physics (thanks, box2d)</a:t>
-            </a:r>
-          </a:p>
-          <a:p>
-            <a:r>
-              <a:rPr lang="en-NZ" dirty="0"/>
-              <a:t>Hard:</a:t>
-            </a:r>
-          </a:p>
-          <a:p>
-            <a:pPr lvl="1"/>
-            <a:r>
-              <a:rPr lang="en-NZ" dirty="0"/>
-              <a:t>Creating tools for level design</a:t>
-            </a:r>
-          </a:p>
-          <a:p>
-            <a:pPr lvl="1"/>
-            <a:r>
-              <a:rPr lang="en-NZ" dirty="0"/>
-              <a:t>Saving and loading levels (from file)</a:t>
-            </a:r>
-          </a:p>
-          <a:p>
-            <a:pPr lvl="1"/>
-            <a:r>
-              <a:rPr lang="en-NZ" dirty="0"/>
-              <a:t>AI (other players in mini golf, enemies in zombie wave shooter </a:t>
-            </a:r>
+            <a:endParaRPr lang="en-NZ"/>
           </a:p>
         </p:txBody>
       </p:sp>
     </p:spTree>
     <p:extLst>
       <p:ext uri="{BB962C8B-B14F-4D97-AF65-F5344CB8AC3E}">
-        <p14:creationId xmlns:p14="http://schemas.microsoft.com/office/powerpoint/2010/main" val="2218710767"/>
+        <p14:creationId xmlns:p14="http://schemas.microsoft.com/office/powerpoint/2010/main" val="233068361"/>
       </p:ext>
     </p:extLst>
   </p:cSld>
@@ -13276,7 +13331,7 @@
     </a:clrScheme>
     <a:fontScheme name="Circuit">
       <a:majorFont>
-        <a:latin typeface="Tw Cen MT" panose="020B0602020104020603"/>
+        <a:latin typeface="Tw Cen MT"/>
         <a:ea typeface=""/>
         <a:cs typeface=""/>
         <a:font script="Jpan" typeface="ＭＳ Ｐゴシック"/>
@@ -13311,7 +13366,7 @@
         <a:font script="Geor" typeface="Sylfaen"/>
       </a:majorFont>
       <a:minorFont>
-        <a:latin typeface="Tw Cen MT" panose="020B0602020104020603"/>
+        <a:latin typeface="Tw Cen MT"/>
         <a:ea typeface=""/>
         <a:cs typeface=""/>
         <a:font script="Jpan" typeface="ＭＳ Ｐゴシック"/>
@@ -13478,7 +13533,7 @@
   <a:extraClrSchemeLst/>
   <a:extLst>
     <a:ext uri="{05A4C25C-085E-4340-85A3-A5531E510DB2}">
-      <thm15:themeFamily xmlns:thm15="http://schemas.microsoft.com/office/thememl/2012/main" name="Circuit" id="{0AC2F7E7-15F5-431C-B2A2-456FE929F56C}" vid="{142578CA-DEC9-49C3-80AF-C113973CC9A9}"/>
+      <thm15:themeFamily xmlns:thm15="http://schemas.microsoft.com/office/thememl/2012/main" xmlns="" name="Circuit" id="{0AC2F7E7-15F5-431C-B2A2-456FE929F56C}" vid="{142578CA-DEC9-49C3-80AF-C113973CC9A9}"/>
     </a:ext>
   </a:extLst>
 </a:theme>

--- a/resources/Assignment 1 proposal.pptx
+++ b/resources/Assignment 1 proposal.pptx
@@ -114,7 +114,18 @@
   </p:defaultTextStyle>
   <p:extLst>
     <p:ext uri="{EFAFB233-063F-42B5-8137-9DF3F51BA10A}">
-      <p15:sldGuideLst xmlns:p15="http://schemas.microsoft.com/office/powerpoint/2012/main" xmlns=""/>
+      <p15:sldGuideLst xmlns:p15="http://schemas.microsoft.com/office/powerpoint/2012/main">
+        <p15:guide id="1" orient="horz" pos="2160">
+          <p15:clr>
+            <a:srgbClr val="A4A3A4"/>
+          </p15:clr>
+        </p15:guide>
+        <p15:guide id="2" pos="3840">
+          <p15:clr>
+            <a:srgbClr val="A4A3A4"/>
+          </p15:clr>
+        </p15:guide>
+      </p15:sldGuideLst>
     </p:ext>
   </p:extLst>
 </p:presentation>
@@ -12482,12 +12493,6 @@
             </a:r>
           </a:p>
           <a:p>
-            <a:r>
-              <a:rPr lang="en-NZ" dirty="0"/>
-              <a:t>Game 1: Mini golf</a:t>
-            </a:r>
-          </a:p>
-          <a:p>
             <a:pPr lvl="1"/>
             <a:r>
               <a:rPr lang="en-NZ" dirty="0"/>
@@ -12568,10 +12573,9 @@
           <a:lstStyle/>
           <a:p>
             <a:r>
-              <a:rPr lang="en-NZ" dirty="0" smtClean="0"/>
+              <a:rPr lang="en-NZ" dirty="0"/>
               <a:t>Level Designer</a:t>
             </a:r>
-            <a:endParaRPr lang="en-NZ" dirty="0"/>
           </a:p>
         </p:txBody>
       </p:sp>
@@ -12596,36 +12600,35 @@
           <a:lstStyle/>
           <a:p>
             <a:r>
-              <a:rPr lang="en-NZ" dirty="0" smtClean="0"/>
+              <a:rPr lang="en-NZ" dirty="0"/>
               <a:t>Need to save a lot of the box2D object data such as textures, friction, restitution, position, etc. in a simple format that can be parsed into the program to save/load levels</a:t>
             </a:r>
           </a:p>
           <a:p>
             <a:r>
-              <a:rPr lang="en-NZ" dirty="0" smtClean="0"/>
+              <a:rPr lang="en-NZ" dirty="0"/>
               <a:t>Proposed using XML and a parser such as </a:t>
             </a:r>
             <a:r>
-              <a:rPr lang="en-NZ" dirty="0" err="1" smtClean="0"/>
+              <a:rPr lang="en-NZ" dirty="0" err="1"/>
               <a:t>pugixml</a:t>
             </a:r>
             <a:r>
-              <a:rPr lang="en-NZ" dirty="0" smtClean="0"/>
+              <a:rPr lang="en-NZ" dirty="0"/>
               <a:t> to perform this</a:t>
             </a:r>
           </a:p>
           <a:p>
             <a:r>
-              <a:rPr lang="en-NZ" dirty="0" smtClean="0"/>
+              <a:rPr lang="en-NZ" dirty="0"/>
               <a:t>Helps with scalability and can allow a lot to be done on a simple engine once a general game format is created</a:t>
             </a:r>
           </a:p>
           <a:p>
             <a:r>
-              <a:rPr lang="en-NZ" dirty="0" smtClean="0"/>
+              <a:rPr lang="en-NZ" dirty="0"/>
               <a:t>Can be used for the following games (next slide); will likely implement Game1 first using the designer, and maybe game2 if there’s time</a:t>
             </a:r>
-            <a:endParaRPr lang="en-NZ" dirty="0"/>
           </a:p>
         </p:txBody>
       </p:sp>
@@ -12718,6 +12721,67 @@
           </a:p>
         </p:txBody>
       </p:sp>
+      <p:pic>
+        <p:nvPicPr>
+          <p:cNvPr id="6" name="Picture 5"/>
+          <p:cNvPicPr/>
+          <p:nvPr/>
+        </p:nvPicPr>
+        <p:blipFill>
+          <a:blip r:embed="rId2"/>
+          <a:stretch>
+            <a:fillRect/>
+          </a:stretch>
+        </p:blipFill>
+        <p:spPr>
+          <a:xfrm>
+            <a:off x="6948653" y="3932571"/>
+            <a:ext cx="3916045" cy="2936875"/>
+          </a:xfrm>
+          <a:prstGeom prst="rect">
+            <a:avLst/>
+          </a:prstGeom>
+        </p:spPr>
+      </p:pic>
+      <p:pic>
+        <p:nvPicPr>
+          <p:cNvPr id="7" name="Picture 6" descr="https://lh3.googleusercontent.com/xzcBJFpLf3AEEYhdiydJ957v1zGpQH0oGrhAApu4sKpXO6wUsgZAxjK52JLJdLRCZg=h310"/>
+          <p:cNvPicPr/>
+          <p:nvPr/>
+        </p:nvPicPr>
+        <p:blipFill>
+          <a:blip r:embed="rId3">
+            <a:extLst>
+              <a:ext uri="{28A0092B-C50C-407E-A947-70E740481C1C}">
+                <a14:useLocalDpi xmlns:a14="http://schemas.microsoft.com/office/drawing/2010/main" val="0"/>
+              </a:ext>
+            </a:extLst>
+          </a:blip>
+          <a:srcRect/>
+          <a:stretch>
+            <a:fillRect/>
+          </a:stretch>
+        </p:blipFill>
+        <p:spPr bwMode="auto">
+          <a:xfrm>
+            <a:off x="1141412" y="3905250"/>
+            <a:ext cx="5248275" cy="2952750"/>
+          </a:xfrm>
+          <a:prstGeom prst="rect">
+            <a:avLst/>
+          </a:prstGeom>
+          <a:noFill/>
+          <a:extLst>
+            <a:ext uri="{909E8E84-426E-40DD-AFC4-6F175D3DCCD1}">
+              <a14:hiddenFill xmlns:a14="http://schemas.microsoft.com/office/drawing/2010/main">
+                <a:solidFill>
+                  <a:srgbClr val="FFFFFF"/>
+                </a:solidFill>
+              </a14:hiddenFill>
+            </a:ext>
+          </a:extLst>
+        </p:spPr>
+      </p:pic>
     </p:spTree>
     <p:extLst>
       <p:ext uri="{BB962C8B-B14F-4D97-AF65-F5344CB8AC3E}">
@@ -12765,13 +12829,8 @@
           <a:p>
             <a:r>
               <a:rPr lang="en-NZ" dirty="0"/>
-              <a:t>Game </a:t>
-            </a:r>
-            <a:r>
-              <a:rPr lang="en-NZ" dirty="0" smtClean="0"/>
-              <a:t>2 Zombie Onslaught</a:t>
-            </a:r>
-            <a:endParaRPr lang="en-NZ" dirty="0"/>
+              <a:t>Game 2 Zombie Onslaught</a:t>
+            </a:r>
           </a:p>
         </p:txBody>
       </p:sp>
@@ -13069,6 +13128,12 @@
               <a:t>Capabilities: Experience in SFML from last semester, basic knowledge of AI</a:t>
             </a:r>
           </a:p>
+          <a:p>
+            <a:r>
+              <a:rPr lang="en-NZ" dirty="0"/>
+              <a:t>More focus on algorithms than the design side of things</a:t>
+            </a:r>
+          </a:p>
         </p:txBody>
       </p:sp>
     </p:spTree>
@@ -13249,10 +13314,9 @@
           <a:lstStyle/>
           <a:p>
             <a:r>
-              <a:rPr lang="en-NZ" dirty="0" smtClean="0"/>
+              <a:rPr lang="en-NZ" dirty="0"/>
               <a:t>Questions / Comments?</a:t>
             </a:r>
-            <a:endParaRPr lang="en-NZ" dirty="0"/>
           </a:p>
         </p:txBody>
       </p:sp>
@@ -13533,7 +13597,7 @@
   <a:extraClrSchemeLst/>
   <a:extLst>
     <a:ext uri="{05A4C25C-085E-4340-85A3-A5531E510DB2}">
-      <thm15:themeFamily xmlns:thm15="http://schemas.microsoft.com/office/thememl/2012/main" xmlns="" name="Circuit" id="{0AC2F7E7-15F5-431C-B2A2-456FE929F56C}" vid="{142578CA-DEC9-49C3-80AF-C113973CC9A9}"/>
+      <thm15:themeFamily xmlns:thm15="http://schemas.microsoft.com/office/thememl/2012/main" name="Circuit" id="{0AC2F7E7-15F5-431C-B2A2-456FE929F56C}" vid="{142578CA-DEC9-49C3-80AF-C113973CC9A9}"/>
     </a:ext>
   </a:extLst>
 </a:theme>
